--- a/Observer (Beobachter).pptx
+++ b/Observer (Beobachter).pptx
@@ -5,19 +5,18 @@
     <p:sldMasterId id="2147483777" r:id="rId1"/>
   </p:sldMasterIdLst>
   <p:notesMasterIdLst>
-    <p:notesMasterId r:id="rId12"/>
+    <p:notesMasterId r:id="rId11"/>
   </p:notesMasterIdLst>
   <p:sldIdLst>
     <p:sldId id="256" r:id="rId2"/>
     <p:sldId id="257" r:id="rId3"/>
-    <p:sldId id="258" r:id="rId4"/>
-    <p:sldId id="259" r:id="rId5"/>
-    <p:sldId id="260" r:id="rId6"/>
-    <p:sldId id="261" r:id="rId7"/>
-    <p:sldId id="262" r:id="rId8"/>
-    <p:sldId id="265" r:id="rId9"/>
-    <p:sldId id="263" r:id="rId10"/>
-    <p:sldId id="264" r:id="rId11"/>
+    <p:sldId id="259" r:id="rId4"/>
+    <p:sldId id="258" r:id="rId5"/>
+    <p:sldId id="261" r:id="rId6"/>
+    <p:sldId id="262" r:id="rId7"/>
+    <p:sldId id="265" r:id="rId8"/>
+    <p:sldId id="263" r:id="rId9"/>
+    <p:sldId id="264" r:id="rId10"/>
   </p:sldIdLst>
   <p:sldSz cx="12192000" cy="6858000"/>
   <p:notesSz cx="6858000" cy="9144000"/>
@@ -116,6 +115,11 @@
       </a:defRPr>
     </a:lvl9pPr>
   </p:defaultTextStyle>
+  <p:extLst>
+    <p:ext uri="{EFAFB233-063F-42B5-8137-9DF3F51BA10A}">
+      <p15:sldGuideLst xmlns:p15="http://schemas.microsoft.com/office/powerpoint/2012/main"/>
+    </p:ext>
+  </p:extLst>
 </p:presentation>
 </file>
 
@@ -201,7 +205,7 @@
           <a:p>
             <a:fld id="{DB5E5C4F-5CD3-4813-8A58-17042F1AE97C}" type="datetimeFigureOut">
               <a:rPr lang="de-DE" smtClean="0"/>
-              <a:t>08.10.2025</a:t>
+              <a:t>10.11.2025</a:t>
             </a:fld>
             <a:endParaRPr lang="de-DE"/>
           </a:p>
@@ -722,7 +726,7 @@
           <a:p>
             <a:fld id="{9479FC98-DDC4-40A5-90CB-37FFA02134FB}" type="slidenum">
               <a:rPr lang="de-DE" smtClean="0"/>
-              <a:t>4</a:t>
+              <a:t>3</a:t>
             </a:fld>
             <a:endParaRPr lang="de-DE"/>
           </a:p>
@@ -785,6 +789,393 @@
           <a:bodyPr/>
           <a:lstStyle/>
           <a:p>
+            <a:pPr marL="0" marR="0" lvl="0" indent="0" algn="l" defTabSz="914400" rtl="0" eaLnBrk="1" fontAlgn="auto" latinLnBrk="0" hangingPunct="1">
+              <a:lnSpc>
+                <a:spcPct val="100000"/>
+              </a:lnSpc>
+              <a:spcBef>
+                <a:spcPts val="0"/>
+              </a:spcBef>
+              <a:spcAft>
+                <a:spcPts val="0"/>
+              </a:spcAft>
+              <a:buClrTx/>
+              <a:buSzTx/>
+              <a:buFontTx/>
+              <a:buNone/>
+              <a:tabLst/>
+              <a:defRPr/>
+            </a:pPr>
+            <a:r>
+              <a:rPr lang="de-DE" sz="1200" dirty="0"/>
+              <a:t>Die Grundidee des Musters, das mehrere Objekte informiert werden, sobald sich der Zustand eines bestimmten </a:t>
+            </a:r>
+            <a:r>
+              <a:rPr lang="de-DE" dirty="0"/>
+              <a:t>Subjekts</a:t>
+            </a:r>
+            <a:r>
+              <a:rPr lang="de-DE" sz="1200" dirty="0"/>
+              <a:t> sich ändert. </a:t>
+            </a:r>
+          </a:p>
+          <a:p>
+            <a:pPr marL="0" marR="0" lvl="0" indent="0" algn="l" defTabSz="914400" rtl="0" eaLnBrk="1" fontAlgn="auto" latinLnBrk="0" hangingPunct="1">
+              <a:lnSpc>
+                <a:spcPct val="100000"/>
+              </a:lnSpc>
+              <a:spcBef>
+                <a:spcPts val="0"/>
+              </a:spcBef>
+              <a:spcAft>
+                <a:spcPts val="0"/>
+              </a:spcAft>
+              <a:buClrTx/>
+              <a:buSzTx/>
+              <a:buFontTx/>
+              <a:buNone/>
+              <a:tabLst/>
+              <a:defRPr/>
+            </a:pPr>
+            <a:r>
+              <a:rPr lang="de-DE" sz="1200" dirty="0"/>
+              <a:t>Das </a:t>
+            </a:r>
+            <a:r>
+              <a:rPr lang="de-DE" dirty="0"/>
+              <a:t>Subjekt</a:t>
+            </a:r>
+            <a:r>
+              <a:rPr lang="de-DE" sz="1200" dirty="0"/>
+              <a:t> ist Objekt, welches wir beobachten. </a:t>
+            </a:r>
+          </a:p>
+          <a:p>
+            <a:pPr marL="0" marR="0" lvl="0" indent="0" algn="l" defTabSz="914400" rtl="0" eaLnBrk="1" fontAlgn="auto" latinLnBrk="0" hangingPunct="1">
+              <a:lnSpc>
+                <a:spcPct val="100000"/>
+              </a:lnSpc>
+              <a:spcBef>
+                <a:spcPts val="0"/>
+              </a:spcBef>
+              <a:spcAft>
+                <a:spcPts val="0"/>
+              </a:spcAft>
+              <a:buClrTx/>
+              <a:buSzTx/>
+              <a:buFontTx/>
+              <a:buNone/>
+              <a:tabLst/>
+              <a:defRPr/>
+            </a:pPr>
+            <a:r>
+              <a:rPr lang="de-DE" sz="1200" dirty="0"/>
+              <a:t>Dabei gibt es ein </a:t>
+            </a:r>
+            <a:r>
+              <a:rPr lang="de-DE" dirty="0"/>
+              <a:t>Subjekt</a:t>
+            </a:r>
+            <a:r>
+              <a:rPr lang="de-DE" sz="1200" dirty="0"/>
+              <a:t>, welches eine Liste von </a:t>
+            </a:r>
+            <a:r>
+              <a:rPr lang="de-DE" sz="1200" dirty="0" err="1"/>
+              <a:t>Observern</a:t>
+            </a:r>
+            <a:r>
+              <a:rPr lang="de-DE" sz="1200" dirty="0"/>
+              <a:t> verwaltet. Observer-Objekte können ein </a:t>
+            </a:r>
+            <a:r>
+              <a:rPr lang="de-DE" dirty="0"/>
+              <a:t>Subjekts</a:t>
+            </a:r>
+            <a:r>
+              <a:rPr lang="de-DE" sz="1200" dirty="0"/>
+              <a:t> abonnieren. </a:t>
+            </a:r>
+          </a:p>
+          <a:p>
+            <a:pPr marL="0" marR="0" lvl="0" indent="0" algn="l" defTabSz="914400" rtl="0" eaLnBrk="1" fontAlgn="auto" latinLnBrk="0" hangingPunct="1">
+              <a:lnSpc>
+                <a:spcPct val="100000"/>
+              </a:lnSpc>
+              <a:spcBef>
+                <a:spcPts val="0"/>
+              </a:spcBef>
+              <a:spcAft>
+                <a:spcPts val="0"/>
+              </a:spcAft>
+              <a:buClrTx/>
+              <a:buSzTx/>
+              <a:buFontTx/>
+              <a:buNone/>
+              <a:tabLst/>
+              <a:defRPr/>
+            </a:pPr>
+            <a:r>
+              <a:rPr lang="de-DE" sz="1200" dirty="0"/>
+              <a:t>Bei Änderung der Daten im </a:t>
+            </a:r>
+            <a:r>
+              <a:rPr lang="de-DE" dirty="0"/>
+              <a:t>Subjekts</a:t>
+            </a:r>
+            <a:r>
+              <a:rPr lang="de-DE" sz="1200" dirty="0"/>
+              <a:t> werden alle zugehörigen Observer informiert und diese können dann ihre Daten aktualisieren.</a:t>
+            </a:r>
+          </a:p>
+          <a:p>
+            <a:endParaRPr lang="de-DE" dirty="0"/>
+          </a:p>
+        </p:txBody>
+      </p:sp>
+      <p:sp>
+        <p:nvSpPr>
+          <p:cNvPr id="4" name="Foliennummernplatzhalter 3"/>
+          <p:cNvSpPr>
+            <a:spLocks noGrp="1"/>
+          </p:cNvSpPr>
+          <p:nvPr>
+            <p:ph type="sldNum" sz="quarter" idx="5"/>
+          </p:nvPr>
+        </p:nvSpPr>
+        <p:spPr/>
+        <p:txBody>
+          <a:bodyPr/>
+          <a:lstStyle/>
+          <a:p>
+            <a:fld id="{9479FC98-DDC4-40A5-90CB-37FFA02134FB}" type="slidenum">
+              <a:rPr lang="de-DE" smtClean="0"/>
+              <a:t>4</a:t>
+            </a:fld>
+            <a:endParaRPr lang="de-DE"/>
+          </a:p>
+        </p:txBody>
+      </p:sp>
+    </p:spTree>
+    <p:extLst>
+      <p:ext uri="{BB962C8B-B14F-4D97-AF65-F5344CB8AC3E}">
+        <p14:creationId xmlns:p14="http://schemas.microsoft.com/office/powerpoint/2010/main" val="1226971605"/>
+      </p:ext>
+    </p:extLst>
+  </p:cSld>
+  <p:clrMapOvr>
+    <a:masterClrMapping/>
+  </p:clrMapOvr>
+</p:notes>
+</file>
+
+<file path=ppt/notesSlides/notesSlide3.xml><?xml version="1.0" encoding="utf-8"?>
+<p:notes xmlns:a="http://schemas.openxmlformats.org/drawingml/2006/main" xmlns:r="http://schemas.openxmlformats.org/officeDocument/2006/relationships" xmlns:p="http://schemas.openxmlformats.org/presentationml/2006/main">
+  <p:cSld>
+    <p:spTree>
+      <p:nvGrpSpPr>
+        <p:cNvPr id="1" name=""/>
+        <p:cNvGrpSpPr/>
+        <p:nvPr/>
+      </p:nvGrpSpPr>
+      <p:grpSpPr>
+        <a:xfrm>
+          <a:off x="0" y="0"/>
+          <a:ext cx="0" cy="0"/>
+          <a:chOff x="0" y="0"/>
+          <a:chExt cx="0" cy="0"/>
+        </a:xfrm>
+      </p:grpSpPr>
+      <p:sp>
+        <p:nvSpPr>
+          <p:cNvPr id="2" name="Folienbildplatzhalter 1"/>
+          <p:cNvSpPr>
+            <a:spLocks noGrp="1" noRot="1" noChangeAspect="1"/>
+          </p:cNvSpPr>
+          <p:nvPr>
+            <p:ph type="sldImg"/>
+          </p:nvPr>
+        </p:nvSpPr>
+        <p:spPr/>
+      </p:sp>
+      <p:sp>
+        <p:nvSpPr>
+          <p:cNvPr id="3" name="Notizenplatzhalter 2"/>
+          <p:cNvSpPr>
+            <a:spLocks noGrp="1"/>
+          </p:cNvSpPr>
+          <p:nvPr>
+            <p:ph type="body" idx="1"/>
+          </p:nvPr>
+        </p:nvSpPr>
+        <p:spPr/>
+        <p:txBody>
+          <a:bodyPr/>
+          <a:lstStyle/>
+          <a:p>
+            <a:r>
+              <a:rPr lang="de-DE" dirty="0"/>
+              <a:t>Das </a:t>
+            </a:r>
+            <a:r>
+              <a:rPr lang="de-DE" b="1" dirty="0" err="1"/>
+              <a:t>Subject</a:t>
+            </a:r>
+            <a:r>
+              <a:rPr lang="de-DE" dirty="0"/>
+              <a:t> verwaltet eine Liste von </a:t>
+            </a:r>
+            <a:r>
+              <a:rPr lang="de-DE" dirty="0" err="1"/>
+              <a:t>Observern</a:t>
+            </a:r>
+            <a:r>
+              <a:rPr lang="de-DE" dirty="0"/>
+              <a:t>.</a:t>
+            </a:r>
+          </a:p>
+          <a:p>
+            <a:r>
+              <a:rPr lang="de-DE" dirty="0"/>
+              <a:t>Observer registrieren oder </a:t>
+            </a:r>
+            <a:r>
+              <a:rPr lang="de-DE" dirty="0" err="1"/>
+              <a:t>deregistrieren</a:t>
+            </a:r>
+            <a:r>
+              <a:rPr lang="de-DE" dirty="0"/>
+              <a:t> sich beim </a:t>
+            </a:r>
+            <a:r>
+              <a:rPr lang="de-DE" dirty="0" err="1"/>
+              <a:t>Subject</a:t>
+            </a:r>
+            <a:r>
+              <a:rPr lang="de-DE" dirty="0"/>
+              <a:t>.</a:t>
+            </a:r>
+          </a:p>
+          <a:p>
+            <a:r>
+              <a:rPr lang="de-DE" dirty="0"/>
+              <a:t>Bei einer Zustandsänderung ruft das </a:t>
+            </a:r>
+            <a:r>
+              <a:rPr lang="de-DE" dirty="0" err="1"/>
+              <a:t>Subject</a:t>
+            </a:r>
+            <a:r>
+              <a:rPr lang="de-DE" dirty="0"/>
+              <a:t> die </a:t>
+            </a:r>
+            <a:r>
+              <a:rPr lang="de-DE" sz="1200" kern="1200" dirty="0">
+                <a:solidFill>
+                  <a:schemeClr val="tx1"/>
+                </a:solidFill>
+                <a:latin typeface="+mn-lt"/>
+                <a:ea typeface="+mn-ea"/>
+                <a:cs typeface="+mn-cs"/>
+              </a:rPr>
+              <a:t>Update()</a:t>
+            </a:r>
+            <a:r>
+              <a:rPr lang="de-DE" dirty="0"/>
+              <a:t>-Methode aller registrierten Observer auf.</a:t>
+            </a:r>
+          </a:p>
+          <a:p>
+            <a:r>
+              <a:rPr lang="de-DE" dirty="0"/>
+              <a:t>Observer reagieren individuell auf die Benachrichtigung.</a:t>
+            </a:r>
+          </a:p>
+          <a:p>
+            <a:endParaRPr lang="de-DE" dirty="0"/>
+          </a:p>
+        </p:txBody>
+      </p:sp>
+      <p:sp>
+        <p:nvSpPr>
+          <p:cNvPr id="4" name="Foliennummernplatzhalter 3"/>
+          <p:cNvSpPr>
+            <a:spLocks noGrp="1"/>
+          </p:cNvSpPr>
+          <p:nvPr>
+            <p:ph type="sldNum" sz="quarter" idx="5"/>
+          </p:nvPr>
+        </p:nvSpPr>
+        <p:spPr/>
+        <p:txBody>
+          <a:bodyPr/>
+          <a:lstStyle/>
+          <a:p>
+            <a:fld id="{9479FC98-DDC4-40A5-90CB-37FFA02134FB}" type="slidenum">
+              <a:rPr lang="de-DE" smtClean="0"/>
+              <a:t>5</a:t>
+            </a:fld>
+            <a:endParaRPr lang="de-DE"/>
+          </a:p>
+        </p:txBody>
+      </p:sp>
+    </p:spTree>
+    <p:extLst>
+      <p:ext uri="{BB962C8B-B14F-4D97-AF65-F5344CB8AC3E}">
+        <p14:creationId xmlns:p14="http://schemas.microsoft.com/office/powerpoint/2010/main" val="3858210619"/>
+      </p:ext>
+    </p:extLst>
+  </p:cSld>
+  <p:clrMapOvr>
+    <a:masterClrMapping/>
+  </p:clrMapOvr>
+</p:notes>
+</file>
+
+<file path=ppt/notesSlides/notesSlide4.xml><?xml version="1.0" encoding="utf-8"?>
+<p:notes xmlns:a="http://schemas.openxmlformats.org/drawingml/2006/main" xmlns:r="http://schemas.openxmlformats.org/officeDocument/2006/relationships" xmlns:p="http://schemas.openxmlformats.org/presentationml/2006/main">
+  <p:cSld>
+    <p:spTree>
+      <p:nvGrpSpPr>
+        <p:cNvPr id="1" name=""/>
+        <p:cNvGrpSpPr/>
+        <p:nvPr/>
+      </p:nvGrpSpPr>
+      <p:grpSpPr>
+        <a:xfrm>
+          <a:off x="0" y="0"/>
+          <a:ext cx="0" cy="0"/>
+          <a:chOff x="0" y="0"/>
+          <a:chExt cx="0" cy="0"/>
+        </a:xfrm>
+      </p:grpSpPr>
+      <p:sp>
+        <p:nvSpPr>
+          <p:cNvPr id="2" name="Folienbildplatzhalter 1"/>
+          <p:cNvSpPr>
+            <a:spLocks noGrp="1" noRot="1" noChangeAspect="1"/>
+          </p:cNvSpPr>
+          <p:nvPr>
+            <p:ph type="sldImg"/>
+          </p:nvPr>
+        </p:nvSpPr>
+        <p:spPr/>
+      </p:sp>
+      <p:sp>
+        <p:nvSpPr>
+          <p:cNvPr id="3" name="Notizenplatzhalter 2"/>
+          <p:cNvSpPr>
+            <a:spLocks noGrp="1"/>
+          </p:cNvSpPr>
+          <p:nvPr>
+            <p:ph type="body" idx="1"/>
+          </p:nvPr>
+        </p:nvSpPr>
+        <p:spPr/>
+        <p:txBody>
+          <a:bodyPr/>
+          <a:lstStyle/>
+          <a:p>
             <a:r>
               <a:rPr lang="de-DE" sz="1200" b="1" i="0" kern="1200" dirty="0">
                 <a:solidFill>
@@ -1121,7 +1512,7 @@
           <a:p>
             <a:fld id="{9479FC98-DDC4-40A5-90CB-37FFA02134FB}" type="slidenum">
               <a:rPr lang="de-DE" smtClean="0"/>
-              <a:t>7</a:t>
+              <a:t>6</a:t>
             </a:fld>
             <a:endParaRPr lang="de-DE"/>
           </a:p>
@@ -1353,7 +1744,7 @@
           <a:p>
             <a:fld id="{3C06F657-8A70-4A9E-8680-EC0362A7C1B2}" type="datetime2">
               <a:rPr lang="de-DE" smtClean="0"/>
-              <a:t>Mittwoch, 8. Oktober 2025</a:t>
+              <a:t>Montag, 10. November 2025</a:t>
             </a:fld>
             <a:endParaRPr lang="en-US"/>
           </a:p>
@@ -1648,7 +2039,7 @@
           <a:p>
             <a:fld id="{B4F708C5-41F9-43BC-8B52-6D1EFE642DC3}" type="datetime2">
               <a:rPr lang="de-DE" smtClean="0"/>
-              <a:t>Mittwoch, 8. Oktober 2025</a:t>
+              <a:t>Montag, 10. November 2025</a:t>
             </a:fld>
             <a:endParaRPr lang="en-US"/>
           </a:p>
@@ -1912,7 +2303,7 @@
           <a:p>
             <a:fld id="{B4F708C5-41F9-43BC-8B52-6D1EFE642DC3}" type="datetime2">
               <a:rPr lang="de-DE" smtClean="0"/>
-              <a:t>Mittwoch, 8. Oktober 2025</a:t>
+              <a:t>Montag, 10. November 2025</a:t>
             </a:fld>
             <a:endParaRPr lang="en-US"/>
           </a:p>
@@ -2386,7 +2777,7 @@
           <a:p>
             <a:fld id="{B4F708C5-41F9-43BC-8B52-6D1EFE642DC3}" type="datetime2">
               <a:rPr lang="de-DE" smtClean="0"/>
-              <a:t>Mittwoch, 8. Oktober 2025</a:t>
+              <a:t>Montag, 10. November 2025</a:t>
             </a:fld>
             <a:endParaRPr lang="en-US"/>
           </a:p>
@@ -2571,7 +2962,7 @@
           <a:p>
             <a:fld id="{B4F708C5-41F9-43BC-8B52-6D1EFE642DC3}" type="datetime2">
               <a:rPr lang="de-DE" smtClean="0"/>
-              <a:t>Mittwoch, 8. Oktober 2025</a:t>
+              <a:t>Montag, 10. November 2025</a:t>
             </a:fld>
             <a:endParaRPr lang="en-US"/>
           </a:p>
@@ -3152,7 +3543,7 @@
           <a:p>
             <a:fld id="{B4F708C5-41F9-43BC-8B52-6D1EFE642DC3}" type="datetime2">
               <a:rPr lang="de-DE" smtClean="0"/>
-              <a:t>Mittwoch, 8. Oktober 2025</a:t>
+              <a:t>Montag, 10. November 2025</a:t>
             </a:fld>
             <a:endParaRPr lang="en-US"/>
           </a:p>
@@ -3489,7 +3880,7 @@
           <a:p>
             <a:fld id="{B4F708C5-41F9-43BC-8B52-6D1EFE642DC3}" type="datetime2">
               <a:rPr lang="de-DE" smtClean="0"/>
-              <a:t>Mittwoch, 8. Oktober 2025</a:t>
+              <a:t>Montag, 10. November 2025</a:t>
             </a:fld>
             <a:endParaRPr lang="en-US"/>
           </a:p>
@@ -3669,7 +4060,7 @@
           <a:p>
             <a:fld id="{0A14B465-6954-4C35-A00B-039D68DE2B25}" type="datetime2">
               <a:rPr lang="de-DE" smtClean="0"/>
-              <a:t>Mittwoch, 8. Oktober 2025</a:t>
+              <a:t>Montag, 10. November 2025</a:t>
             </a:fld>
             <a:endParaRPr lang="en-US"/>
           </a:p>
@@ -3853,7 +4244,7 @@
           <a:p>
             <a:fld id="{3F035CDA-45F3-41C3-91A1-2AFC27A12227}" type="datetime2">
               <a:rPr lang="de-DE" smtClean="0"/>
-              <a:t>Mittwoch, 8. Oktober 2025</a:t>
+              <a:t>Montag, 10. November 2025</a:t>
             </a:fld>
             <a:endParaRPr lang="en-US"/>
           </a:p>
@@ -4027,7 +4418,7 @@
           <a:p>
             <a:fld id="{0990A61C-8A35-43B9-89FD-0F14341C3F3C}" type="datetime2">
               <a:rPr lang="de-DE" smtClean="0"/>
-              <a:t>Mittwoch, 8. Oktober 2025</a:t>
+              <a:t>Montag, 10. November 2025</a:t>
             </a:fld>
             <a:endParaRPr lang="en-US"/>
           </a:p>
@@ -4288,7 +4679,7 @@
           <a:p>
             <a:fld id="{FE15F849-CA23-46D9-A838-54BB3E2B9C19}" type="datetime2">
               <a:rPr lang="de-DE" smtClean="0"/>
-              <a:t>Mittwoch, 8. Oktober 2025</a:t>
+              <a:t>Montag, 10. November 2025</a:t>
             </a:fld>
             <a:endParaRPr lang="en-US"/>
           </a:p>
@@ -4584,7 +4975,7 @@
           <a:p>
             <a:fld id="{7DACDD20-5AC8-4B6C-B81D-41260ACFD7CE}" type="datetime2">
               <a:rPr lang="de-DE" smtClean="0"/>
-              <a:t>Mittwoch, 8. Oktober 2025</a:t>
+              <a:t>Montag, 10. November 2025</a:t>
             </a:fld>
             <a:endParaRPr lang="en-US"/>
           </a:p>
@@ -5018,7 +5409,7 @@
           <a:p>
             <a:fld id="{75A975B9-B801-4748-AF54-F3388BCB44A7}" type="datetime2">
               <a:rPr lang="de-DE" smtClean="0"/>
-              <a:t>Mittwoch, 8. Oktober 2025</a:t>
+              <a:t>Montag, 10. November 2025</a:t>
             </a:fld>
             <a:endParaRPr lang="en-US"/>
           </a:p>
@@ -5140,7 +5531,7 @@
           <a:p>
             <a:fld id="{640467BD-D474-4ABE-A6AF-C0F55E8C147B}" type="datetime2">
               <a:rPr lang="de-DE" smtClean="0"/>
-              <a:t>Mittwoch, 8. Oktober 2025</a:t>
+              <a:t>Montag, 10. November 2025</a:t>
             </a:fld>
             <a:endParaRPr lang="en-US"/>
           </a:p>
@@ -5239,7 +5630,7 @@
           <a:p>
             <a:fld id="{13317DE4-8E9D-487E-B8F8-AD8DE7E15E41}" type="datetime2">
               <a:rPr lang="de-DE" smtClean="0"/>
-              <a:t>Mittwoch, 8. Oktober 2025</a:t>
+              <a:t>Montag, 10. November 2025</a:t>
             </a:fld>
             <a:endParaRPr lang="en-US"/>
           </a:p>
@@ -5526,7 +5917,7 @@
           <a:p>
             <a:fld id="{6C5681B7-8BEA-45A6-834E-230CEA58D401}" type="datetime2">
               <a:rPr lang="de-DE" smtClean="0"/>
-              <a:t>Mittwoch, 8. Oktober 2025</a:t>
+              <a:t>Montag, 10. November 2025</a:t>
             </a:fld>
             <a:endParaRPr lang="en-US"/>
           </a:p>
@@ -5821,7 +6212,7 @@
           <a:p>
             <a:fld id="{B4F708C5-41F9-43BC-8B52-6D1EFE642DC3}" type="datetime2">
               <a:rPr lang="de-DE" smtClean="0"/>
-              <a:t>Mittwoch, 8. Oktober 2025</a:t>
+              <a:t>Montag, 10. November 2025</a:t>
             </a:fld>
             <a:endParaRPr lang="en-US"/>
           </a:p>
@@ -6057,7 +6448,7 @@
           <a:p>
             <a:fld id="{B4F708C5-41F9-43BC-8B52-6D1EFE642DC3}" type="datetime2">
               <a:rPr lang="de-DE" smtClean="0"/>
-              <a:t>Mittwoch, 8. Oktober 2025</a:t>
+              <a:t>Montag, 10. November 2025</a:t>
             </a:fld>
             <a:endParaRPr lang="en-US"/>
           </a:p>
@@ -6910,7 +7301,7 @@
           <a:p>
             <a:fld id="{3C06F657-8A70-4A9E-8680-EC0362A7C1B2}" type="datetime2">
               <a:rPr lang="de-DE" smtClean="0"/>
-              <a:t>Mittwoch, 8. Oktober 2025</a:t>
+              <a:t>Montag, 10. November 2025</a:t>
             </a:fld>
             <a:endParaRPr lang="en-US"/>
           </a:p>
@@ -6978,192 +7369,6 @@
     <p:extLst>
       <p:ext uri="{BB962C8B-B14F-4D97-AF65-F5344CB8AC3E}">
         <p14:creationId xmlns:p14="http://schemas.microsoft.com/office/powerpoint/2010/main" val="2687915969"/>
-      </p:ext>
-    </p:extLst>
-  </p:cSld>
-  <p:clrMapOvr>
-    <a:masterClrMapping/>
-  </p:clrMapOvr>
-</p:sld>
-</file>
-
-<file path=ppt/slides/slide10.xml><?xml version="1.0" encoding="utf-8"?>
-<p:sld xmlns:a="http://schemas.openxmlformats.org/drawingml/2006/main" xmlns:r="http://schemas.openxmlformats.org/officeDocument/2006/relationships" xmlns:p="http://schemas.openxmlformats.org/presentationml/2006/main">
-  <p:cSld>
-    <p:spTree>
-      <p:nvGrpSpPr>
-        <p:cNvPr id="1" name=""/>
-        <p:cNvGrpSpPr/>
-        <p:nvPr/>
-      </p:nvGrpSpPr>
-      <p:grpSpPr>
-        <a:xfrm>
-          <a:off x="0" y="0"/>
-          <a:ext cx="0" cy="0"/>
-          <a:chOff x="0" y="0"/>
-          <a:chExt cx="0" cy="0"/>
-        </a:xfrm>
-      </p:grpSpPr>
-      <p:sp>
-        <p:nvSpPr>
-          <p:cNvPr id="2" name="Titel 1">
-            <a:extLst>
-              <a:ext uri="{FF2B5EF4-FFF2-40B4-BE49-F238E27FC236}">
-                <a16:creationId xmlns:a16="http://schemas.microsoft.com/office/drawing/2014/main" id="{A0348EF5-9B01-8BFA-57F7-C4F8B452D0FA}"/>
-              </a:ext>
-            </a:extLst>
-          </p:cNvPr>
-          <p:cNvSpPr>
-            <a:spLocks noGrp="1"/>
-          </p:cNvSpPr>
-          <p:nvPr>
-            <p:ph type="ctrTitle"/>
-          </p:nvPr>
-        </p:nvSpPr>
-        <p:spPr/>
-        <p:txBody>
-          <a:bodyPr/>
-          <a:lstStyle/>
-          <a:p>
-            <a:r>
-              <a:rPr lang="de-DE" dirty="0"/>
-              <a:t>Zum später anschauen</a:t>
-            </a:r>
-          </a:p>
-        </p:txBody>
-      </p:sp>
-      <p:sp>
-        <p:nvSpPr>
-          <p:cNvPr id="3" name="Untertitel 2">
-            <a:extLst>
-              <a:ext uri="{FF2B5EF4-FFF2-40B4-BE49-F238E27FC236}">
-                <a16:creationId xmlns:a16="http://schemas.microsoft.com/office/drawing/2014/main" id="{E7D0572C-C296-561D-1D0B-7401DB541DD8}"/>
-              </a:ext>
-            </a:extLst>
-          </p:cNvPr>
-          <p:cNvSpPr>
-            <a:spLocks noGrp="1"/>
-          </p:cNvSpPr>
-          <p:nvPr>
-            <p:ph type="subTitle" idx="1"/>
-          </p:nvPr>
-        </p:nvSpPr>
-        <p:spPr/>
-        <p:txBody>
-          <a:bodyPr>
-            <a:normAutofit/>
-          </a:bodyPr>
-          <a:lstStyle/>
-          <a:p>
-            <a:r>
-              <a:rPr lang="de-DE" sz="2400" dirty="0" err="1">
-                <a:hlinkClick r:id="rId2"/>
-              </a:rPr>
-              <a:t>Github</a:t>
-            </a:r>
-            <a:r>
-              <a:rPr lang="de-DE" sz="2400" dirty="0">
-                <a:hlinkClick r:id="rId2"/>
-              </a:rPr>
-              <a:t>-Repository</a:t>
-            </a:r>
-            <a:endParaRPr lang="de-DE" sz="2400" dirty="0">
-              <a:effectLst/>
-            </a:endParaRPr>
-          </a:p>
-        </p:txBody>
-      </p:sp>
-      <p:sp>
-        <p:nvSpPr>
-          <p:cNvPr id="4" name="Datumsplatzhalter 3">
-            <a:extLst>
-              <a:ext uri="{FF2B5EF4-FFF2-40B4-BE49-F238E27FC236}">
-                <a16:creationId xmlns:a16="http://schemas.microsoft.com/office/drawing/2014/main" id="{D2BC3F5A-EABE-9BF0-6C33-1FA6CE884BF9}"/>
-              </a:ext>
-            </a:extLst>
-          </p:cNvPr>
-          <p:cNvSpPr>
-            <a:spLocks noGrp="1"/>
-          </p:cNvSpPr>
-          <p:nvPr>
-            <p:ph type="dt" sz="half" idx="10"/>
-          </p:nvPr>
-        </p:nvSpPr>
-        <p:spPr/>
-        <p:txBody>
-          <a:bodyPr/>
-          <a:lstStyle/>
-          <a:p>
-            <a:fld id="{3C06F657-8A70-4A9E-8680-EC0362A7C1B2}" type="datetime2">
-              <a:rPr lang="de-DE" smtClean="0"/>
-              <a:t>Mittwoch, 8. Oktober 2025</a:t>
-            </a:fld>
-            <a:endParaRPr lang="en-US" dirty="0"/>
-          </a:p>
-        </p:txBody>
-      </p:sp>
-      <p:sp>
-        <p:nvSpPr>
-          <p:cNvPr id="5" name="Fußzeilenplatzhalter 4">
-            <a:extLst>
-              <a:ext uri="{FF2B5EF4-FFF2-40B4-BE49-F238E27FC236}">
-                <a16:creationId xmlns:a16="http://schemas.microsoft.com/office/drawing/2014/main" id="{ACECD069-63AC-F472-DA86-FDE8F9A802CC}"/>
-              </a:ext>
-            </a:extLst>
-          </p:cNvPr>
-          <p:cNvSpPr>
-            <a:spLocks noGrp="1"/>
-          </p:cNvSpPr>
-          <p:nvPr>
-            <p:ph type="ftr" sz="quarter" idx="11"/>
-          </p:nvPr>
-        </p:nvSpPr>
-        <p:spPr/>
-        <p:txBody>
-          <a:bodyPr/>
-          <a:lstStyle/>
-          <a:p>
-            <a:r>
-              <a:rPr lang="de-DE"/>
-              <a:t>Von: Jasper Högemann, Danilo Schiefer, Mike SChröer</a:t>
-            </a:r>
-            <a:endParaRPr lang="en-US"/>
-          </a:p>
-        </p:txBody>
-      </p:sp>
-      <p:sp>
-        <p:nvSpPr>
-          <p:cNvPr id="6" name="Foliennummernplatzhalter 5">
-            <a:extLst>
-              <a:ext uri="{FF2B5EF4-FFF2-40B4-BE49-F238E27FC236}">
-                <a16:creationId xmlns:a16="http://schemas.microsoft.com/office/drawing/2014/main" id="{922AA6F1-A601-7045-F22F-838E55F415D9}"/>
-              </a:ext>
-            </a:extLst>
-          </p:cNvPr>
-          <p:cNvSpPr>
-            <a:spLocks noGrp="1"/>
-          </p:cNvSpPr>
-          <p:nvPr>
-            <p:ph type="sldNum" sz="quarter" idx="12"/>
-          </p:nvPr>
-        </p:nvSpPr>
-        <p:spPr/>
-        <p:txBody>
-          <a:bodyPr/>
-          <a:lstStyle/>
-          <a:p>
-            <a:fld id="{6586042B-6341-4E38-A80C-926D3BB8AAC9}" type="slidenum">
-              <a:rPr lang="en-US" smtClean="0"/>
-              <a:t>10</a:t>
-            </a:fld>
-            <a:endParaRPr lang="en-US"/>
-          </a:p>
-        </p:txBody>
-      </p:sp>
-    </p:spTree>
-    <p:extLst>
-      <p:ext uri="{BB962C8B-B14F-4D97-AF65-F5344CB8AC3E}">
-        <p14:creationId xmlns:p14="http://schemas.microsoft.com/office/powerpoint/2010/main" val="123415345"/>
       </p:ext>
     </p:extLst>
   </p:cSld>
@@ -7214,9 +7419,10 @@
           <a:lstStyle/>
           <a:p>
             <a:r>
-              <a:rPr lang="de-DE" sz="3600" b="1" dirty="0"/>
-              <a:t>Funktionsweise</a:t>
-            </a:r>
+              <a:rPr lang="de-DE" sz="3600" b="1" dirty="0" err="1"/>
+              <a:t>inhalt</a:t>
+            </a:r>
+            <a:endParaRPr lang="de-DE" sz="3600" b="1" dirty="0"/>
           </a:p>
         </p:txBody>
       </p:sp>
@@ -7308,7 +7514,7 @@
           <a:p>
             <a:fld id="{0990A61C-8A35-43B9-89FD-0F14341C3F3C}" type="datetime2">
               <a:rPr lang="de-DE" smtClean="0"/>
-              <a:t>Mittwoch, 8. Oktober 2025</a:t>
+              <a:t>Montag, 10. November 2025</a:t>
             </a:fld>
             <a:endParaRPr lang="en-US"/>
           </a:p>
@@ -7407,7 +7613,7 @@
           <p:cNvPr id="2" name="Titel 1">
             <a:extLst>
               <a:ext uri="{FF2B5EF4-FFF2-40B4-BE49-F238E27FC236}">
-                <a16:creationId xmlns:a16="http://schemas.microsoft.com/office/drawing/2014/main" id="{AAE1453B-2F50-687E-4DC9-DCCDE200B4E0}"/>
+                <a16:creationId xmlns:a16="http://schemas.microsoft.com/office/drawing/2014/main" id="{C29F7141-2273-4A8C-71B8-A14B3FBC624F}"/>
               </a:ext>
             </a:extLst>
           </p:cNvPr>
@@ -7425,7 +7631,7 @@
           <a:p>
             <a:r>
               <a:rPr lang="de-DE" b="1" dirty="0"/>
-              <a:t>Funktionsweise / Definition</a:t>
+              <a:t>Problem</a:t>
             </a:r>
           </a:p>
         </p:txBody>
@@ -7435,7 +7641,7 @@
           <p:cNvPr id="3" name="Inhaltsplatzhalter 2">
             <a:extLst>
               <a:ext uri="{FF2B5EF4-FFF2-40B4-BE49-F238E27FC236}">
-                <a16:creationId xmlns:a16="http://schemas.microsoft.com/office/drawing/2014/main" id="{F192E3E3-9C89-D3D0-BB2D-F7E6665728C4}"/>
+                <a16:creationId xmlns:a16="http://schemas.microsoft.com/office/drawing/2014/main" id="{96257045-B318-97DE-9497-A88A0B14A28B}"/>
               </a:ext>
             </a:extLst>
           </p:cNvPr>
@@ -7446,14 +7652,34 @@
             <p:ph idx="1"/>
           </p:nvPr>
         </p:nvSpPr>
-        <p:spPr/>
+        <p:spPr>
+          <a:xfrm>
+            <a:off x="1141412" y="2188221"/>
+            <a:ext cx="9905998" cy="2481558"/>
+          </a:xfrm>
+        </p:spPr>
         <p:txBody>
           <a:bodyPr>
             <a:normAutofit/>
           </a:bodyPr>
           <a:lstStyle/>
           <a:p>
-            <a:endParaRPr lang="de-DE" sz="2400" dirty="0"/>
+            <a:r>
+              <a:rPr lang="de-DE" sz="2400" dirty="0"/>
+              <a:t>Interesse am Zustand</a:t>
+            </a:r>
+          </a:p>
+          <a:p>
+            <a:r>
+              <a:rPr lang="de-DE" sz="2400" dirty="0"/>
+              <a:t>Hart codiert</a:t>
+            </a:r>
+          </a:p>
+          <a:p>
+            <a:r>
+              <a:rPr lang="de-DE" sz="2400" dirty="0"/>
+              <a:t>Skalierbarkeit</a:t>
+            </a:r>
           </a:p>
         </p:txBody>
       </p:sp>
@@ -7462,7 +7688,7 @@
           <p:cNvPr id="4" name="Datumsplatzhalter 3">
             <a:extLst>
               <a:ext uri="{FF2B5EF4-FFF2-40B4-BE49-F238E27FC236}">
-                <a16:creationId xmlns:a16="http://schemas.microsoft.com/office/drawing/2014/main" id="{8EB5A58A-8AC4-D6EB-20B7-B8C827853BF2}"/>
+                <a16:creationId xmlns:a16="http://schemas.microsoft.com/office/drawing/2014/main" id="{609A7575-A811-16AC-593D-212FD1071CCA}"/>
               </a:ext>
             </a:extLst>
           </p:cNvPr>
@@ -7480,7 +7706,7 @@
           <a:p>
             <a:fld id="{0990A61C-8A35-43B9-89FD-0F14341C3F3C}" type="datetime2">
               <a:rPr lang="de-DE" smtClean="0"/>
-              <a:t>Mittwoch, 8. Oktober 2025</a:t>
+              <a:t>Montag, 10. November 2025</a:t>
             </a:fld>
             <a:endParaRPr lang="en-US"/>
           </a:p>
@@ -7491,7 +7717,7 @@
           <p:cNvPr id="5" name="Fußzeilenplatzhalter 4">
             <a:extLst>
               <a:ext uri="{FF2B5EF4-FFF2-40B4-BE49-F238E27FC236}">
-                <a16:creationId xmlns:a16="http://schemas.microsoft.com/office/drawing/2014/main" id="{B0117D90-C246-D579-7CA8-4305C36685C6}"/>
+                <a16:creationId xmlns:a16="http://schemas.microsoft.com/office/drawing/2014/main" id="{37D3E689-822D-51D9-4993-388A5738BDE1}"/>
               </a:ext>
             </a:extLst>
           </p:cNvPr>
@@ -7520,7 +7746,7 @@
           <p:cNvPr id="6" name="Foliennummernplatzhalter 5">
             <a:extLst>
               <a:ext uri="{FF2B5EF4-FFF2-40B4-BE49-F238E27FC236}">
-                <a16:creationId xmlns:a16="http://schemas.microsoft.com/office/drawing/2014/main" id="{14BAA2B6-D065-DF47-4865-64B2993342CA}"/>
+                <a16:creationId xmlns:a16="http://schemas.microsoft.com/office/drawing/2014/main" id="{C0BADD6F-F895-5A3D-E848-7D5A778A8AE6}"/>
               </a:ext>
             </a:extLst>
           </p:cNvPr>
@@ -7544,10 +7770,60 @@
           </a:p>
         </p:txBody>
       </p:sp>
+      <p:pic>
+        <p:nvPicPr>
+          <p:cNvPr id="7" name="Grafik 6">
+            <a:extLst>
+              <a:ext uri="{FF2B5EF4-FFF2-40B4-BE49-F238E27FC236}">
+                <a16:creationId xmlns:a16="http://schemas.microsoft.com/office/drawing/2014/main" id="{26526CDC-4F0D-F03F-D07C-44617ACA5673}"/>
+              </a:ext>
+            </a:extLst>
+          </p:cNvPr>
+          <p:cNvPicPr>
+            <a:picLocks noChangeAspect="1"/>
+          </p:cNvPicPr>
+          <p:nvPr/>
+        </p:nvPicPr>
+        <p:blipFill>
+          <a:blip r:embed="rId3">
+            <a:extLst>
+              <a:ext uri="{28A0092B-C50C-407E-A947-70E740481C1C}">
+                <a14:useLocalDpi xmlns:a14="http://schemas.microsoft.com/office/drawing/2010/main" val="0"/>
+              </a:ext>
+            </a:extLst>
+          </a:blip>
+          <a:stretch>
+            <a:fillRect/>
+          </a:stretch>
+        </p:blipFill>
+        <p:spPr>
+          <a:xfrm>
+            <a:off x="5647502" y="862781"/>
+            <a:ext cx="5427526" cy="4779979"/>
+          </a:xfrm>
+          <a:prstGeom prst="rect">
+            <a:avLst/>
+          </a:prstGeom>
+          <a:ln w="38100" cap="sq">
+            <a:solidFill>
+              <a:srgbClr val="000000"/>
+            </a:solidFill>
+            <a:prstDash val="solid"/>
+            <a:miter lim="800000"/>
+          </a:ln>
+          <a:effectLst>
+            <a:outerShdw blurRad="50800" dist="38100" dir="2700000" algn="tl" rotWithShape="0">
+              <a:srgbClr val="000000">
+                <a:alpha val="43000"/>
+              </a:srgbClr>
+            </a:outerShdw>
+          </a:effectLst>
+        </p:spPr>
+      </p:pic>
     </p:spTree>
     <p:extLst>
       <p:ext uri="{BB962C8B-B14F-4D97-AF65-F5344CB8AC3E}">
-        <p14:creationId xmlns:p14="http://schemas.microsoft.com/office/powerpoint/2010/main" val="2275384910"/>
+        <p14:creationId xmlns:p14="http://schemas.microsoft.com/office/powerpoint/2010/main" val="3086493257"/>
       </p:ext>
     </p:extLst>
   </p:cSld>
@@ -7579,7 +7855,7 @@
           <p:cNvPr id="2" name="Titel 1">
             <a:extLst>
               <a:ext uri="{FF2B5EF4-FFF2-40B4-BE49-F238E27FC236}">
-                <a16:creationId xmlns:a16="http://schemas.microsoft.com/office/drawing/2014/main" id="{C29F7141-2273-4A8C-71B8-A14B3FBC624F}"/>
+                <a16:creationId xmlns:a16="http://schemas.microsoft.com/office/drawing/2014/main" id="{AAE1453B-2F50-687E-4DC9-DCCDE200B4E0}"/>
               </a:ext>
             </a:extLst>
           </p:cNvPr>
@@ -7597,7 +7873,7 @@
           <a:p>
             <a:r>
               <a:rPr lang="de-DE" b="1" dirty="0"/>
-              <a:t>Problem</a:t>
+              <a:t>Funktionsweise / Definition</a:t>
             </a:r>
           </a:p>
         </p:txBody>
@@ -7607,7 +7883,7 @@
           <p:cNvPr id="3" name="Inhaltsplatzhalter 2">
             <a:extLst>
               <a:ext uri="{FF2B5EF4-FFF2-40B4-BE49-F238E27FC236}">
-                <a16:creationId xmlns:a16="http://schemas.microsoft.com/office/drawing/2014/main" id="{96257045-B318-97DE-9497-A88A0B14A28B}"/>
+                <a16:creationId xmlns:a16="http://schemas.microsoft.com/office/drawing/2014/main" id="{F192E3E3-9C89-D3D0-BB2D-F7E6665728C4}"/>
               </a:ext>
             </a:extLst>
           </p:cNvPr>
@@ -7618,7 +7894,12 @@
             <p:ph idx="1"/>
           </p:nvPr>
         </p:nvSpPr>
-        <p:spPr/>
+        <p:spPr>
+          <a:xfrm>
+            <a:off x="1141412" y="2514600"/>
+            <a:ext cx="9905998" cy="2617098"/>
+          </a:xfrm>
+        </p:spPr>
         <p:txBody>
           <a:bodyPr>
             <a:normAutofit/>
@@ -7627,20 +7908,66 @@
           <a:p>
             <a:r>
               <a:rPr lang="de-DE" sz="2400" dirty="0"/>
-              <a:t>Interesse am Zustand</a:t>
-            </a:r>
-          </a:p>
-          <a:p>
+              <a:t>Ein </a:t>
+            </a:r>
+            <a:r>
+              <a:rPr lang="de-DE" sz="2400" dirty="0" err="1"/>
+              <a:t>subjekt</a:t>
+            </a:r>
             <a:r>
               <a:rPr lang="de-DE" sz="2400" dirty="0"/>
-              <a:t>Hart codiert</a:t>
-            </a:r>
+              <a:t> mehrere </a:t>
+            </a:r>
+            <a:r>
+              <a:rPr lang="de-DE" sz="2400" dirty="0" err="1"/>
+              <a:t>objekte</a:t>
+            </a:r>
+            <a:endParaRPr lang="de-DE" sz="2400" dirty="0"/>
           </a:p>
           <a:p>
             <a:r>
               <a:rPr lang="de-DE" sz="2400" dirty="0"/>
-              <a:t>Skalierbarkeit</a:t>
-            </a:r>
+              <a:t>Objekt kann </a:t>
+            </a:r>
+            <a:r>
+              <a:rPr lang="de-DE" sz="2400" dirty="0" err="1"/>
+              <a:t>subjekt</a:t>
+            </a:r>
+            <a:r>
+              <a:rPr lang="de-DE" sz="2400" dirty="0"/>
+              <a:t> abonnieren </a:t>
+            </a:r>
+          </a:p>
+          <a:p>
+            <a:r>
+              <a:rPr lang="de-DE" sz="2400" dirty="0"/>
+              <a:t>Subjekt wird beobachtet</a:t>
+            </a:r>
+          </a:p>
+          <a:p>
+            <a:r>
+              <a:rPr lang="de-DE" sz="2400" dirty="0"/>
+              <a:t>Mehrere </a:t>
+            </a:r>
+            <a:r>
+              <a:rPr lang="de-DE" sz="2400" dirty="0" err="1"/>
+              <a:t>objekte</a:t>
+            </a:r>
+            <a:r>
+              <a:rPr lang="de-DE" sz="2400" dirty="0"/>
+              <a:t> werden informiert bei </a:t>
+            </a:r>
+            <a:r>
+              <a:rPr lang="de-DE" sz="2400" dirty="0" err="1"/>
+              <a:t>änderung</a:t>
+            </a:r>
+            <a:endParaRPr lang="de-DE" sz="2400" dirty="0"/>
+          </a:p>
+          <a:p>
+            <a:endParaRPr lang="de-DE" sz="2400" dirty="0"/>
+          </a:p>
+          <a:p>
+            <a:endParaRPr lang="de-DE" sz="2400" dirty="0"/>
           </a:p>
         </p:txBody>
       </p:sp>
@@ -7649,7 +7976,7 @@
           <p:cNvPr id="4" name="Datumsplatzhalter 3">
             <a:extLst>
               <a:ext uri="{FF2B5EF4-FFF2-40B4-BE49-F238E27FC236}">
-                <a16:creationId xmlns:a16="http://schemas.microsoft.com/office/drawing/2014/main" id="{609A7575-A811-16AC-593D-212FD1071CCA}"/>
+                <a16:creationId xmlns:a16="http://schemas.microsoft.com/office/drawing/2014/main" id="{8EB5A58A-8AC4-D6EB-20B7-B8C827853BF2}"/>
               </a:ext>
             </a:extLst>
           </p:cNvPr>
@@ -7667,7 +7994,7 @@
           <a:p>
             <a:fld id="{0990A61C-8A35-43B9-89FD-0F14341C3F3C}" type="datetime2">
               <a:rPr lang="de-DE" smtClean="0"/>
-              <a:t>Mittwoch, 8. Oktober 2025</a:t>
+              <a:t>Montag, 10. November 2025</a:t>
             </a:fld>
             <a:endParaRPr lang="en-US"/>
           </a:p>
@@ -7678,7 +8005,7 @@
           <p:cNvPr id="5" name="Fußzeilenplatzhalter 4">
             <a:extLst>
               <a:ext uri="{FF2B5EF4-FFF2-40B4-BE49-F238E27FC236}">
-                <a16:creationId xmlns:a16="http://schemas.microsoft.com/office/drawing/2014/main" id="{37D3E689-822D-51D9-4993-388A5738BDE1}"/>
+                <a16:creationId xmlns:a16="http://schemas.microsoft.com/office/drawing/2014/main" id="{B0117D90-C246-D579-7CA8-4305C36685C6}"/>
               </a:ext>
             </a:extLst>
           </p:cNvPr>
@@ -7707,7 +8034,7 @@
           <p:cNvPr id="6" name="Foliennummernplatzhalter 5">
             <a:extLst>
               <a:ext uri="{FF2B5EF4-FFF2-40B4-BE49-F238E27FC236}">
-                <a16:creationId xmlns:a16="http://schemas.microsoft.com/office/drawing/2014/main" id="{C0BADD6F-F895-5A3D-E848-7D5A778A8AE6}"/>
+                <a16:creationId xmlns:a16="http://schemas.microsoft.com/office/drawing/2014/main" id="{14BAA2B6-D065-DF47-4865-64B2993342CA}"/>
               </a:ext>
             </a:extLst>
           </p:cNvPr>
@@ -7734,7 +8061,7 @@
     </p:spTree>
     <p:extLst>
       <p:ext uri="{BB962C8B-B14F-4D97-AF65-F5344CB8AC3E}">
-        <p14:creationId xmlns:p14="http://schemas.microsoft.com/office/powerpoint/2010/main" val="3086493257"/>
+        <p14:creationId xmlns:p14="http://schemas.microsoft.com/office/powerpoint/2010/main" val="2275384910"/>
       </p:ext>
     </p:extLst>
   </p:cSld>
@@ -7761,40 +8088,47 @@
           <a:chExt cx="0" cy="0"/>
         </a:xfrm>
       </p:grpSpPr>
-      <p:sp>
-        <p:nvSpPr>
-          <p:cNvPr id="2" name="Titel 1">
+      <p:pic>
+        <p:nvPicPr>
+          <p:cNvPr id="8" name="Inhaltsplatzhalter 7">
             <a:extLst>
               <a:ext uri="{FF2B5EF4-FFF2-40B4-BE49-F238E27FC236}">
-                <a16:creationId xmlns:a16="http://schemas.microsoft.com/office/drawing/2014/main" id="{0D481CC2-2364-52C3-0853-437DD835F8DD}"/>
+                <a16:creationId xmlns:a16="http://schemas.microsoft.com/office/drawing/2014/main" id="{30E6598D-2437-923B-86AB-A152DC51516F}"/>
               </a:ext>
             </a:extLst>
           </p:cNvPr>
-          <p:cNvSpPr>
-            <a:spLocks noGrp="1"/>
-          </p:cNvSpPr>
-          <p:nvPr>
-            <p:ph type="title"/>
-          </p:nvPr>
-        </p:nvSpPr>
-        <p:spPr/>
-        <p:txBody>
-          <a:bodyPr/>
-          <a:lstStyle/>
-          <a:p>
-            <a:r>
-              <a:rPr lang="de-DE" b="1" dirty="0"/>
-              <a:t>Lösung</a:t>
-            </a:r>
-          </a:p>
-        </p:txBody>
-      </p:sp>
-      <p:sp>
-        <p:nvSpPr>
-          <p:cNvPr id="3" name="Inhaltsplatzhalter 2">
+          <p:cNvPicPr>
+            <a:picLocks noGrp="1" noChangeAspect="1"/>
+          </p:cNvPicPr>
+          <p:nvPr>
+            <p:ph idx="1"/>
+          </p:nvPr>
+        </p:nvPicPr>
+        <p:blipFill>
+          <a:blip r:embed="rId3">
+            <a:extLst>
+              <a:ext uri="{28A0092B-C50C-407E-A947-70E740481C1C}">
+                <a14:useLocalDpi xmlns:a14="http://schemas.microsoft.com/office/drawing/2010/main" val="0"/>
+              </a:ext>
+            </a:extLst>
+          </a:blip>
+          <a:stretch>
+            <a:fillRect/>
+          </a:stretch>
+        </p:blipFill>
+        <p:spPr>
+          <a:xfrm>
+            <a:off x="866050" y="248647"/>
+            <a:ext cx="10345570" cy="5324926"/>
+          </a:xfrm>
+        </p:spPr>
+      </p:pic>
+      <p:sp>
+        <p:nvSpPr>
+          <p:cNvPr id="4" name="Datumsplatzhalter 3">
             <a:extLst>
               <a:ext uri="{FF2B5EF4-FFF2-40B4-BE49-F238E27FC236}">
-                <a16:creationId xmlns:a16="http://schemas.microsoft.com/office/drawing/2014/main" id="{53BFC2FE-627C-F3BE-C086-44490509B271}"/>
+                <a16:creationId xmlns:a16="http://schemas.microsoft.com/office/drawing/2014/main" id="{5C46A8D2-8D3B-60EF-BE9E-29DA4EC035BF}"/>
               </a:ext>
             </a:extLst>
           </p:cNvPr>
@@ -7802,26 +8136,28 @@
             <a:spLocks noGrp="1"/>
           </p:cNvSpPr>
           <p:nvPr>
-            <p:ph idx="1"/>
-          </p:nvPr>
-        </p:nvSpPr>
-        <p:spPr/>
-        <p:txBody>
-          <a:bodyPr>
-            <a:normAutofit/>
-          </a:bodyPr>
-          <a:lstStyle/>
-          <a:p>
-            <a:endParaRPr lang="de-DE" sz="2400" dirty="0"/>
-          </a:p>
-        </p:txBody>
-      </p:sp>
-      <p:sp>
-        <p:nvSpPr>
-          <p:cNvPr id="4" name="Datumsplatzhalter 3">
+            <p:ph type="dt" sz="half" idx="10"/>
+          </p:nvPr>
+        </p:nvSpPr>
+        <p:spPr/>
+        <p:txBody>
+          <a:bodyPr/>
+          <a:lstStyle/>
+          <a:p>
+            <a:fld id="{0990A61C-8A35-43B9-89FD-0F14341C3F3C}" type="datetime2">
+              <a:rPr lang="de-DE" smtClean="0"/>
+              <a:t>Montag, 10. November 2025</a:t>
+            </a:fld>
+            <a:endParaRPr lang="en-US"/>
+          </a:p>
+        </p:txBody>
+      </p:sp>
+      <p:sp>
+        <p:nvSpPr>
+          <p:cNvPr id="5" name="Fußzeilenplatzhalter 4">
             <a:extLst>
               <a:ext uri="{FF2B5EF4-FFF2-40B4-BE49-F238E27FC236}">
-                <a16:creationId xmlns:a16="http://schemas.microsoft.com/office/drawing/2014/main" id="{E0018019-26B5-C0E0-DBA3-C2C646716F11}"/>
+                <a16:creationId xmlns:a16="http://schemas.microsoft.com/office/drawing/2014/main" id="{A603543D-0EEB-293F-DCE8-35BC3168AE8D}"/>
               </a:ext>
             </a:extLst>
           </p:cNvPr>
@@ -7829,35 +8165,6 @@
             <a:spLocks noGrp="1"/>
           </p:cNvSpPr>
           <p:nvPr>
-            <p:ph type="dt" sz="half" idx="10"/>
-          </p:nvPr>
-        </p:nvSpPr>
-        <p:spPr/>
-        <p:txBody>
-          <a:bodyPr/>
-          <a:lstStyle/>
-          <a:p>
-            <a:fld id="{0990A61C-8A35-43B9-89FD-0F14341C3F3C}" type="datetime2">
-              <a:rPr lang="de-DE" smtClean="0"/>
-              <a:t>Mittwoch, 8. Oktober 2025</a:t>
-            </a:fld>
-            <a:endParaRPr lang="en-US"/>
-          </a:p>
-        </p:txBody>
-      </p:sp>
-      <p:sp>
-        <p:nvSpPr>
-          <p:cNvPr id="5" name="Fußzeilenplatzhalter 4">
-            <a:extLst>
-              <a:ext uri="{FF2B5EF4-FFF2-40B4-BE49-F238E27FC236}">
-                <a16:creationId xmlns:a16="http://schemas.microsoft.com/office/drawing/2014/main" id="{600E5444-CB26-F6C0-AB5A-7B3B0EBBD575}"/>
-              </a:ext>
-            </a:extLst>
-          </p:cNvPr>
-          <p:cNvSpPr>
-            <a:spLocks noGrp="1"/>
-          </p:cNvSpPr>
-          <p:nvPr>
             <p:ph type="ftr" sz="quarter" idx="11"/>
           </p:nvPr>
         </p:nvSpPr>
@@ -7879,7 +8186,7 @@
           <p:cNvPr id="6" name="Foliennummernplatzhalter 5">
             <a:extLst>
               <a:ext uri="{FF2B5EF4-FFF2-40B4-BE49-F238E27FC236}">
-                <a16:creationId xmlns:a16="http://schemas.microsoft.com/office/drawing/2014/main" id="{C4A47EAE-14F4-D561-78E0-8F2BD0FAE308}"/>
+                <a16:creationId xmlns:a16="http://schemas.microsoft.com/office/drawing/2014/main" id="{9859CEE8-D1E4-1E43-21BF-21B6D792D9EB}"/>
               </a:ext>
             </a:extLst>
           </p:cNvPr>
@@ -7906,7 +8213,7 @@
     </p:spTree>
     <p:extLst>
       <p:ext uri="{BB962C8B-B14F-4D97-AF65-F5344CB8AC3E}">
-        <p14:creationId xmlns:p14="http://schemas.microsoft.com/office/powerpoint/2010/main" val="359616304"/>
+        <p14:creationId xmlns:p14="http://schemas.microsoft.com/office/powerpoint/2010/main" val="3207792783"/>
       </p:ext>
     </p:extLst>
   </p:cSld>
@@ -7938,7 +8245,7 @@
           <p:cNvPr id="2" name="Titel 1">
             <a:extLst>
               <a:ext uri="{FF2B5EF4-FFF2-40B4-BE49-F238E27FC236}">
-                <a16:creationId xmlns:a16="http://schemas.microsoft.com/office/drawing/2014/main" id="{1B61132A-25DF-1F18-2BDC-38B38966AB8C}"/>
+                <a16:creationId xmlns:a16="http://schemas.microsoft.com/office/drawing/2014/main" id="{AF045D88-2A10-296B-42FE-22446093F875}"/>
               </a:ext>
             </a:extLst>
           </p:cNvPr>
@@ -7955,8 +8262,8 @@
           <a:lstStyle/>
           <a:p>
             <a:r>
-              <a:rPr lang="de-DE" b="1" dirty="0"/>
-              <a:t>Struktur</a:t>
+              <a:rPr lang="de-DE" dirty="0"/>
+              <a:t>Vor- und Nachteile</a:t>
             </a:r>
           </a:p>
         </p:txBody>
@@ -7966,7 +8273,7 @@
           <p:cNvPr id="3" name="Inhaltsplatzhalter 2">
             <a:extLst>
               <a:ext uri="{FF2B5EF4-FFF2-40B4-BE49-F238E27FC236}">
-                <a16:creationId xmlns:a16="http://schemas.microsoft.com/office/drawing/2014/main" id="{6F6E811D-CF37-1431-020B-AE66A1D55F56}"/>
+                <a16:creationId xmlns:a16="http://schemas.microsoft.com/office/drawing/2014/main" id="{B904ED98-AF44-9577-9E12-A3FB6A66432B}"/>
               </a:ext>
             </a:extLst>
           </p:cNvPr>
@@ -7974,7 +8281,7 @@
             <a:spLocks noGrp="1"/>
           </p:cNvSpPr>
           <p:nvPr>
-            <p:ph idx="1"/>
+            <p:ph sz="half" idx="1"/>
           </p:nvPr>
         </p:nvSpPr>
         <p:spPr/>
@@ -7984,16 +8291,40 @@
           </a:bodyPr>
           <a:lstStyle/>
           <a:p>
-            <a:endParaRPr lang="de-DE" sz="2400" dirty="0"/>
-          </a:p>
-        </p:txBody>
-      </p:sp>
-      <p:sp>
-        <p:nvSpPr>
-          <p:cNvPr id="4" name="Datumsplatzhalter 3">
+            <a:pPr marL="0" indent="0">
+              <a:buNone/>
+            </a:pPr>
+            <a:r>
+              <a:rPr lang="de-DE" sz="2400" b="1" dirty="0"/>
+              <a:t>Vorteile:</a:t>
+            </a:r>
+          </a:p>
+          <a:p>
+            <a:r>
+              <a:rPr lang="de-DE" sz="2400" dirty="0"/>
+              <a:t>Lose Kopplung</a:t>
+            </a:r>
+          </a:p>
+          <a:p>
+            <a:r>
+              <a:rPr lang="de-DE" sz="2400" dirty="0"/>
+              <a:t>Flexibel</a:t>
+            </a:r>
+          </a:p>
+          <a:p>
+            <a:r>
+              <a:rPr lang="de-DE" sz="2400" dirty="0"/>
+              <a:t>Wiederverwendbar</a:t>
+            </a:r>
+          </a:p>
+        </p:txBody>
+      </p:sp>
+      <p:sp>
+        <p:nvSpPr>
+          <p:cNvPr id="4" name="Inhaltsplatzhalter 3">
             <a:extLst>
               <a:ext uri="{FF2B5EF4-FFF2-40B4-BE49-F238E27FC236}">
-                <a16:creationId xmlns:a16="http://schemas.microsoft.com/office/drawing/2014/main" id="{5C46A8D2-8D3B-60EF-BE9E-29DA4EC035BF}"/>
+                <a16:creationId xmlns:a16="http://schemas.microsoft.com/office/drawing/2014/main" id="{4321BC2A-B5CA-C4E9-5A9C-668938537329}"/>
               </a:ext>
             </a:extLst>
           </p:cNvPr>
@@ -8001,28 +8332,50 @@
             <a:spLocks noGrp="1"/>
           </p:cNvSpPr>
           <p:nvPr>
-            <p:ph type="dt" sz="half" idx="10"/>
-          </p:nvPr>
-        </p:nvSpPr>
-        <p:spPr/>
-        <p:txBody>
-          <a:bodyPr/>
-          <a:lstStyle/>
-          <a:p>
-            <a:fld id="{0990A61C-8A35-43B9-89FD-0F14341C3F3C}" type="datetime2">
-              <a:rPr lang="de-DE" smtClean="0"/>
-              <a:t>Mittwoch, 8. Oktober 2025</a:t>
-            </a:fld>
-            <a:endParaRPr lang="en-US"/>
-          </a:p>
-        </p:txBody>
-      </p:sp>
-      <p:sp>
-        <p:nvSpPr>
-          <p:cNvPr id="5" name="Fußzeilenplatzhalter 4">
+            <p:ph sz="half" idx="2"/>
+          </p:nvPr>
+        </p:nvSpPr>
+        <p:spPr/>
+        <p:txBody>
+          <a:bodyPr>
+            <a:normAutofit/>
+          </a:bodyPr>
+          <a:lstStyle/>
+          <a:p>
+            <a:pPr marL="0" indent="0">
+              <a:buNone/>
+            </a:pPr>
+            <a:r>
+              <a:rPr lang="de-DE" sz="2400" b="1" dirty="0"/>
+              <a:t>Nachteile:</a:t>
+            </a:r>
+          </a:p>
+          <a:p>
+            <a:r>
+              <a:rPr lang="de-DE" sz="2400" dirty="0"/>
+              <a:t>Performance</a:t>
+            </a:r>
+          </a:p>
+          <a:p>
+            <a:r>
+              <a:rPr lang="de-DE" sz="2400" dirty="0"/>
+              <a:t>Keine Garantie</a:t>
+            </a:r>
+          </a:p>
+          <a:p>
+            <a:r>
+              <a:rPr lang="de-DE" sz="2400" dirty="0"/>
+              <a:t>Speicherlecks</a:t>
+            </a:r>
+          </a:p>
+        </p:txBody>
+      </p:sp>
+      <p:sp>
+        <p:nvSpPr>
+          <p:cNvPr id="5" name="Datumsplatzhalter 4">
             <a:extLst>
               <a:ext uri="{FF2B5EF4-FFF2-40B4-BE49-F238E27FC236}">
-                <a16:creationId xmlns:a16="http://schemas.microsoft.com/office/drawing/2014/main" id="{A603543D-0EEB-293F-DCE8-35BC3168AE8D}"/>
+                <a16:creationId xmlns:a16="http://schemas.microsoft.com/office/drawing/2014/main" id="{A65E7877-FF59-79EA-6965-1FE863F067DB}"/>
               </a:ext>
             </a:extLst>
           </p:cNvPr>
@@ -8030,28 +8383,57 @@
             <a:spLocks noGrp="1"/>
           </p:cNvSpPr>
           <p:nvPr>
-            <p:ph type="ftr" sz="quarter" idx="11"/>
-          </p:nvPr>
-        </p:nvSpPr>
-        <p:spPr/>
-        <p:txBody>
-          <a:bodyPr/>
-          <a:lstStyle/>
-          <a:p>
-            <a:r>
-              <a:rPr lang="de-DE"/>
-              <a:t>Von: Jasper Högemann, Danilo Schiefer, Mike SChröer</a:t>
-            </a:r>
+            <p:ph type="dt" sz="half" idx="10"/>
+          </p:nvPr>
+        </p:nvSpPr>
+        <p:spPr/>
+        <p:txBody>
+          <a:bodyPr/>
+          <a:lstStyle/>
+          <a:p>
+            <a:fld id="{7DACDD20-5AC8-4B6C-B81D-41260ACFD7CE}" type="datetime2">
+              <a:rPr lang="de-DE" smtClean="0"/>
+              <a:t>Montag, 10. November 2025</a:t>
+            </a:fld>
             <a:endParaRPr lang="en-US"/>
           </a:p>
         </p:txBody>
       </p:sp>
       <p:sp>
         <p:nvSpPr>
-          <p:cNvPr id="6" name="Foliennummernplatzhalter 5">
+          <p:cNvPr id="6" name="Fußzeilenplatzhalter 5">
             <a:extLst>
               <a:ext uri="{FF2B5EF4-FFF2-40B4-BE49-F238E27FC236}">
-                <a16:creationId xmlns:a16="http://schemas.microsoft.com/office/drawing/2014/main" id="{9859CEE8-D1E4-1E43-21BF-21B6D792D9EB}"/>
+                <a16:creationId xmlns:a16="http://schemas.microsoft.com/office/drawing/2014/main" id="{971A5D82-E4BB-94E7-07AD-51E10FC1A4AF}"/>
+              </a:ext>
+            </a:extLst>
+          </p:cNvPr>
+          <p:cNvSpPr>
+            <a:spLocks noGrp="1"/>
+          </p:cNvSpPr>
+          <p:nvPr>
+            <p:ph type="ftr" sz="quarter" idx="11"/>
+          </p:nvPr>
+        </p:nvSpPr>
+        <p:spPr/>
+        <p:txBody>
+          <a:bodyPr/>
+          <a:lstStyle/>
+          <a:p>
+            <a:r>
+              <a:rPr lang="de-DE"/>
+              <a:t>Von: Jasper Högemann, Danilo Schiefer, Mike SChröer</a:t>
+            </a:r>
+            <a:endParaRPr lang="en-US"/>
+          </a:p>
+        </p:txBody>
+      </p:sp>
+      <p:sp>
+        <p:nvSpPr>
+          <p:cNvPr id="7" name="Foliennummernplatzhalter 6">
+            <a:extLst>
+              <a:ext uri="{FF2B5EF4-FFF2-40B4-BE49-F238E27FC236}">
+                <a16:creationId xmlns:a16="http://schemas.microsoft.com/office/drawing/2014/main" id="{F23DC797-0E13-12A4-55AF-FEADD647A8E7}"/>
               </a:ext>
             </a:extLst>
           </p:cNvPr>
@@ -8078,7 +8460,7 @@
     </p:spTree>
     <p:extLst>
       <p:ext uri="{BB962C8B-B14F-4D97-AF65-F5344CB8AC3E}">
-        <p14:creationId xmlns:p14="http://schemas.microsoft.com/office/powerpoint/2010/main" val="3207792783"/>
+        <p14:creationId xmlns:p14="http://schemas.microsoft.com/office/powerpoint/2010/main" val="1477615603"/>
       </p:ext>
     </p:extLst>
   </p:cSld>
@@ -8110,7 +8492,7 @@
           <p:cNvPr id="2" name="Titel 1">
             <a:extLst>
               <a:ext uri="{FF2B5EF4-FFF2-40B4-BE49-F238E27FC236}">
-                <a16:creationId xmlns:a16="http://schemas.microsoft.com/office/drawing/2014/main" id="{AF045D88-2A10-296B-42FE-22446093F875}"/>
+                <a16:creationId xmlns:a16="http://schemas.microsoft.com/office/drawing/2014/main" id="{AA16105D-3E9F-6B1C-A987-AF3C959C55BF}"/>
               </a:ext>
             </a:extLst>
           </p:cNvPr>
@@ -8127,8 +8509,8 @@
           <a:lstStyle/>
           <a:p>
             <a:r>
-              <a:rPr lang="de-DE" dirty="0"/>
-              <a:t>Vor- und Nachteile</a:t>
+              <a:rPr lang="de-DE" b="1" dirty="0"/>
+              <a:t>Anwendungsfälle</a:t>
             </a:r>
           </a:p>
         </p:txBody>
@@ -8138,7 +8520,7 @@
           <p:cNvPr id="3" name="Inhaltsplatzhalter 2">
             <a:extLst>
               <a:ext uri="{FF2B5EF4-FFF2-40B4-BE49-F238E27FC236}">
-                <a16:creationId xmlns:a16="http://schemas.microsoft.com/office/drawing/2014/main" id="{B904ED98-AF44-9577-9E12-A3FB6A66432B}"/>
+                <a16:creationId xmlns:a16="http://schemas.microsoft.com/office/drawing/2014/main" id="{EDB977AC-A570-3D10-D607-E52B07E2A0A1}"/>
               </a:ext>
             </a:extLst>
           </p:cNvPr>
@@ -8146,50 +8528,69 @@
             <a:spLocks noGrp="1"/>
           </p:cNvSpPr>
           <p:nvPr>
-            <p:ph sz="half" idx="1"/>
-          </p:nvPr>
-        </p:nvSpPr>
-        <p:spPr/>
-        <p:txBody>
-          <a:bodyPr>
-            <a:normAutofit/>
-          </a:bodyPr>
-          <a:lstStyle/>
-          <a:p>
-            <a:pPr marL="0" indent="0">
-              <a:buNone/>
-            </a:pPr>
-            <a:r>
-              <a:rPr lang="de-DE" sz="2400" b="1" dirty="0"/>
-              <a:t>Vorteile:</a:t>
-            </a:r>
-          </a:p>
-          <a:p>
-            <a:r>
-              <a:rPr lang="de-DE" sz="2400" dirty="0"/>
-              <a:t>Lose Kopplung</a:t>
-            </a:r>
-          </a:p>
-          <a:p>
-            <a:r>
-              <a:rPr lang="de-DE" sz="2400" dirty="0"/>
-              <a:t>Flexibel</a:t>
-            </a:r>
-          </a:p>
-          <a:p>
-            <a:r>
-              <a:rPr lang="de-DE" sz="2400" dirty="0"/>
-              <a:t>Wiederverwendbar</a:t>
-            </a:r>
-          </a:p>
-        </p:txBody>
-      </p:sp>
-      <p:sp>
-        <p:nvSpPr>
-          <p:cNvPr id="4" name="Inhaltsplatzhalter 3">
+            <p:ph idx="1"/>
+          </p:nvPr>
+        </p:nvSpPr>
+        <p:spPr>
+          <a:xfrm>
+            <a:off x="1141413" y="2181476"/>
+            <a:ext cx="9905998" cy="3124201"/>
+          </a:xfrm>
+        </p:spPr>
+        <p:txBody>
+          <a:bodyPr/>
+          <a:lstStyle/>
+          <a:p>
+            <a:r>
+              <a:rPr lang="de-DE" dirty="0"/>
+              <a:t>GUI-Frameworks: Button-Klick → mehrere </a:t>
+            </a:r>
+            <a:r>
+              <a:rPr lang="de-DE" dirty="0" err="1"/>
+              <a:t>Listener</a:t>
+            </a:r>
+            <a:r>
+              <a:rPr lang="de-DE" dirty="0"/>
+              <a:t>.</a:t>
+            </a:r>
+          </a:p>
+          <a:p>
+            <a:r>
+              <a:rPr lang="de-DE" dirty="0"/>
+              <a:t>Wetterstation (wie im Beispiel).</a:t>
+            </a:r>
+          </a:p>
+          <a:p>
+            <a:r>
+              <a:rPr lang="de-DE" dirty="0"/>
+              <a:t>Event-Systeme (z. B. </a:t>
+            </a:r>
+            <a:r>
+              <a:rPr lang="de-DE" dirty="0" err="1"/>
+              <a:t>Logging</a:t>
+            </a:r>
+            <a:r>
+              <a:rPr lang="de-DE" dirty="0"/>
+              <a:t>, Monitoring).</a:t>
+            </a:r>
+          </a:p>
+          <a:p>
+            <a:r>
+              <a:rPr lang="de-DE" dirty="0"/>
+              <a:t>Datenmodelle, die Views automatisch aktualisieren sollen (MVC, MVVM).</a:t>
+            </a:r>
+          </a:p>
+          <a:p>
+            <a:endParaRPr lang="de-DE" dirty="0"/>
+          </a:p>
+        </p:txBody>
+      </p:sp>
+      <p:sp>
+        <p:nvSpPr>
+          <p:cNvPr id="4" name="Datumsplatzhalter 3">
             <a:extLst>
               <a:ext uri="{FF2B5EF4-FFF2-40B4-BE49-F238E27FC236}">
-                <a16:creationId xmlns:a16="http://schemas.microsoft.com/office/drawing/2014/main" id="{4321BC2A-B5CA-C4E9-5A9C-668938537329}"/>
+                <a16:creationId xmlns:a16="http://schemas.microsoft.com/office/drawing/2014/main" id="{15802D25-5574-1BA4-78C7-225DBBF22B2E}"/>
               </a:ext>
             </a:extLst>
           </p:cNvPr>
@@ -8197,50 +8598,28 @@
             <a:spLocks noGrp="1"/>
           </p:cNvSpPr>
           <p:nvPr>
-            <p:ph sz="half" idx="2"/>
-          </p:nvPr>
-        </p:nvSpPr>
-        <p:spPr/>
-        <p:txBody>
-          <a:bodyPr>
-            <a:normAutofit/>
-          </a:bodyPr>
-          <a:lstStyle/>
-          <a:p>
-            <a:pPr marL="0" indent="0">
-              <a:buNone/>
-            </a:pPr>
-            <a:r>
-              <a:rPr lang="de-DE" sz="2400" b="1" dirty="0"/>
-              <a:t>Nachteile:</a:t>
-            </a:r>
-          </a:p>
-          <a:p>
-            <a:r>
-              <a:rPr lang="de-DE" sz="2400" dirty="0"/>
-              <a:t>Performance</a:t>
-            </a:r>
-          </a:p>
-          <a:p>
-            <a:r>
-              <a:rPr lang="de-DE" sz="2400" dirty="0"/>
-              <a:t>Keine Garantie</a:t>
-            </a:r>
-          </a:p>
-          <a:p>
-            <a:r>
-              <a:rPr lang="de-DE" sz="2400" dirty="0"/>
-              <a:t>Speicherlecks</a:t>
-            </a:r>
-          </a:p>
-        </p:txBody>
-      </p:sp>
-      <p:sp>
-        <p:nvSpPr>
-          <p:cNvPr id="5" name="Datumsplatzhalter 4">
+            <p:ph type="dt" sz="half" idx="10"/>
+          </p:nvPr>
+        </p:nvSpPr>
+        <p:spPr/>
+        <p:txBody>
+          <a:bodyPr/>
+          <a:lstStyle/>
+          <a:p>
+            <a:fld id="{0990A61C-8A35-43B9-89FD-0F14341C3F3C}" type="datetime2">
+              <a:rPr lang="de-DE" smtClean="0"/>
+              <a:t>Montag, 10. November 2025</a:t>
+            </a:fld>
+            <a:endParaRPr lang="en-US"/>
+          </a:p>
+        </p:txBody>
+      </p:sp>
+      <p:sp>
+        <p:nvSpPr>
+          <p:cNvPr id="5" name="Fußzeilenplatzhalter 4">
             <a:extLst>
               <a:ext uri="{FF2B5EF4-FFF2-40B4-BE49-F238E27FC236}">
-                <a16:creationId xmlns:a16="http://schemas.microsoft.com/office/drawing/2014/main" id="{A65E7877-FF59-79EA-6965-1FE863F067DB}"/>
+                <a16:creationId xmlns:a16="http://schemas.microsoft.com/office/drawing/2014/main" id="{65718AE5-0807-5A16-F74E-81FDCA429958}"/>
               </a:ext>
             </a:extLst>
           </p:cNvPr>
@@ -8248,57 +8627,28 @@
             <a:spLocks noGrp="1"/>
           </p:cNvSpPr>
           <p:nvPr>
-            <p:ph type="dt" sz="half" idx="10"/>
-          </p:nvPr>
-        </p:nvSpPr>
-        <p:spPr/>
-        <p:txBody>
-          <a:bodyPr/>
-          <a:lstStyle/>
-          <a:p>
-            <a:fld id="{7DACDD20-5AC8-4B6C-B81D-41260ACFD7CE}" type="datetime2">
-              <a:rPr lang="de-DE" smtClean="0"/>
-              <a:t>Mittwoch, 8. Oktober 2025</a:t>
-            </a:fld>
+            <p:ph type="ftr" sz="quarter" idx="11"/>
+          </p:nvPr>
+        </p:nvSpPr>
+        <p:spPr/>
+        <p:txBody>
+          <a:bodyPr/>
+          <a:lstStyle/>
+          <a:p>
+            <a:r>
+              <a:rPr lang="de-DE"/>
+              <a:t>Von: Jasper Högemann, Danilo Schiefer, Mike SChröer</a:t>
+            </a:r>
             <a:endParaRPr lang="en-US"/>
           </a:p>
         </p:txBody>
       </p:sp>
       <p:sp>
         <p:nvSpPr>
-          <p:cNvPr id="6" name="Fußzeilenplatzhalter 5">
+          <p:cNvPr id="6" name="Foliennummernplatzhalter 5">
             <a:extLst>
               <a:ext uri="{FF2B5EF4-FFF2-40B4-BE49-F238E27FC236}">
-                <a16:creationId xmlns:a16="http://schemas.microsoft.com/office/drawing/2014/main" id="{971A5D82-E4BB-94E7-07AD-51E10FC1A4AF}"/>
-              </a:ext>
-            </a:extLst>
-          </p:cNvPr>
-          <p:cNvSpPr>
-            <a:spLocks noGrp="1"/>
-          </p:cNvSpPr>
-          <p:nvPr>
-            <p:ph type="ftr" sz="quarter" idx="11"/>
-          </p:nvPr>
-        </p:nvSpPr>
-        <p:spPr/>
-        <p:txBody>
-          <a:bodyPr/>
-          <a:lstStyle/>
-          <a:p>
-            <a:r>
-              <a:rPr lang="de-DE"/>
-              <a:t>Von: Jasper Högemann, Danilo Schiefer, Mike SChröer</a:t>
-            </a:r>
-            <a:endParaRPr lang="en-US"/>
-          </a:p>
-        </p:txBody>
-      </p:sp>
-      <p:sp>
-        <p:nvSpPr>
-          <p:cNvPr id="7" name="Foliennummernplatzhalter 6">
-            <a:extLst>
-              <a:ext uri="{FF2B5EF4-FFF2-40B4-BE49-F238E27FC236}">
-                <a16:creationId xmlns:a16="http://schemas.microsoft.com/office/drawing/2014/main" id="{F23DC797-0E13-12A4-55AF-FEADD647A8E7}"/>
+                <a16:creationId xmlns:a16="http://schemas.microsoft.com/office/drawing/2014/main" id="{7A57EF30-FED3-B030-0D8A-8AC9F902C8DC}"/>
               </a:ext>
             </a:extLst>
           </p:cNvPr>
@@ -8325,7 +8675,7 @@
     </p:spTree>
     <p:extLst>
       <p:ext uri="{BB962C8B-B14F-4D97-AF65-F5344CB8AC3E}">
-        <p14:creationId xmlns:p14="http://schemas.microsoft.com/office/powerpoint/2010/main" val="1477615603"/>
+        <p14:creationId xmlns:p14="http://schemas.microsoft.com/office/powerpoint/2010/main" val="375134247"/>
       </p:ext>
     </p:extLst>
   </p:cSld>
@@ -8357,7 +8707,7 @@
           <p:cNvPr id="2" name="Titel 1">
             <a:extLst>
               <a:ext uri="{FF2B5EF4-FFF2-40B4-BE49-F238E27FC236}">
-                <a16:creationId xmlns:a16="http://schemas.microsoft.com/office/drawing/2014/main" id="{AA16105D-3E9F-6B1C-A987-AF3C959C55BF}"/>
+                <a16:creationId xmlns:a16="http://schemas.microsoft.com/office/drawing/2014/main" id="{F62F16A1-6895-C38C-44FC-4ADB328C13BD}"/>
               </a:ext>
             </a:extLst>
           </p:cNvPr>
@@ -8373,9 +8723,10 @@
           <a:bodyPr/>
           <a:lstStyle/>
           <a:p>
+            <a:pPr algn="ctr"/>
             <a:r>
               <a:rPr lang="de-DE" b="1" dirty="0"/>
-              <a:t>Anwendungsfälle</a:t>
+              <a:t>Merksatz</a:t>
             </a:r>
           </a:p>
         </p:txBody>
@@ -8385,7 +8736,7 @@
           <p:cNvPr id="3" name="Inhaltsplatzhalter 2">
             <a:extLst>
               <a:ext uri="{FF2B5EF4-FFF2-40B4-BE49-F238E27FC236}">
-                <a16:creationId xmlns:a16="http://schemas.microsoft.com/office/drawing/2014/main" id="{EDB977AC-A570-3D10-D607-E52B07E2A0A1}"/>
+                <a16:creationId xmlns:a16="http://schemas.microsoft.com/office/drawing/2014/main" id="{0761E9EE-4312-3123-EC6E-467A3392F673}"/>
               </a:ext>
             </a:extLst>
           </p:cNvPr>
@@ -8398,10 +8749,61 @@
         </p:nvSpPr>
         <p:spPr/>
         <p:txBody>
-          <a:bodyPr/>
-          <a:lstStyle/>
-          <a:p>
-            <a:endParaRPr lang="de-DE"/>
+          <a:bodyPr>
+            <a:normAutofit/>
+          </a:bodyPr>
+          <a:lstStyle/>
+          <a:p>
+            <a:pPr marL="0" indent="0" algn="ctr">
+              <a:buNone/>
+            </a:pPr>
+            <a:r>
+              <a:rPr lang="de-DE" sz="2400" dirty="0">
+                <a:effectLst/>
+              </a:rPr>
+              <a:t>Das Observer Pattern ist wie ein </a:t>
+            </a:r>
+            <a:r>
+              <a:rPr lang="de-DE" sz="2400" b="1" dirty="0">
+                <a:effectLst/>
+              </a:rPr>
+              <a:t>Newsletter</a:t>
+            </a:r>
+            <a:r>
+              <a:rPr lang="de-DE" sz="2400" dirty="0">
+                <a:effectLst/>
+              </a:rPr>
+              <a:t>:</a:t>
+            </a:r>
+          </a:p>
+          <a:p>
+            <a:pPr marL="0" indent="0" algn="ctr">
+              <a:buNone/>
+            </a:pPr>
+            <a:r>
+              <a:rPr lang="de-DE" sz="2400" dirty="0">
+                <a:effectLst/>
+              </a:rPr>
+              <a:t>Sobald neue Informationen erscheinen, werden alle </a:t>
+            </a:r>
+            <a:r>
+              <a:rPr lang="de-DE" sz="2400" b="1" dirty="0">
+                <a:effectLst/>
+              </a:rPr>
+              <a:t>Abonnenten (Observer)</a:t>
+            </a:r>
+            <a:r>
+              <a:rPr lang="de-DE" sz="2400" dirty="0">
+                <a:effectLst/>
+              </a:rPr>
+              <a:t> automatisch benachrichtigt.</a:t>
+            </a:r>
+          </a:p>
+          <a:p>
+            <a:pPr marL="0" indent="0" algn="ctr">
+              <a:buNone/>
+            </a:pPr>
+            <a:endParaRPr lang="de-DE" sz="2400" dirty="0"/>
           </a:p>
         </p:txBody>
       </p:sp>
@@ -8410,7 +8812,7 @@
           <p:cNvPr id="4" name="Datumsplatzhalter 3">
             <a:extLst>
               <a:ext uri="{FF2B5EF4-FFF2-40B4-BE49-F238E27FC236}">
-                <a16:creationId xmlns:a16="http://schemas.microsoft.com/office/drawing/2014/main" id="{15802D25-5574-1BA4-78C7-225DBBF22B2E}"/>
+                <a16:creationId xmlns:a16="http://schemas.microsoft.com/office/drawing/2014/main" id="{94AA961A-239D-82E7-4B51-153D7DE4A2BC}"/>
               </a:ext>
             </a:extLst>
           </p:cNvPr>
@@ -8428,7 +8830,7 @@
           <a:p>
             <a:fld id="{0990A61C-8A35-43B9-89FD-0F14341C3F3C}" type="datetime2">
               <a:rPr lang="de-DE" smtClean="0"/>
-              <a:t>Mittwoch, 8. Oktober 2025</a:t>
+              <a:t>Montag, 10. November 2025</a:t>
             </a:fld>
             <a:endParaRPr lang="en-US"/>
           </a:p>
@@ -8439,7 +8841,7 @@
           <p:cNvPr id="5" name="Fußzeilenplatzhalter 4">
             <a:extLst>
               <a:ext uri="{FF2B5EF4-FFF2-40B4-BE49-F238E27FC236}">
-                <a16:creationId xmlns:a16="http://schemas.microsoft.com/office/drawing/2014/main" id="{65718AE5-0807-5A16-F74E-81FDCA429958}"/>
+                <a16:creationId xmlns:a16="http://schemas.microsoft.com/office/drawing/2014/main" id="{ADA181E9-428B-3C08-339C-4E4B85DF0BDD}"/>
               </a:ext>
             </a:extLst>
           </p:cNvPr>
@@ -8468,7 +8870,7 @@
           <p:cNvPr id="6" name="Foliennummernplatzhalter 5">
             <a:extLst>
               <a:ext uri="{FF2B5EF4-FFF2-40B4-BE49-F238E27FC236}">
-                <a16:creationId xmlns:a16="http://schemas.microsoft.com/office/drawing/2014/main" id="{7A57EF30-FED3-B030-0D8A-8AC9F902C8DC}"/>
+                <a16:creationId xmlns:a16="http://schemas.microsoft.com/office/drawing/2014/main" id="{B4722708-4858-2594-3E33-3C50652F5C44}"/>
               </a:ext>
             </a:extLst>
           </p:cNvPr>
@@ -8495,7 +8897,7 @@
     </p:spTree>
     <p:extLst>
       <p:ext uri="{BB962C8B-B14F-4D97-AF65-F5344CB8AC3E}">
-        <p14:creationId xmlns:p14="http://schemas.microsoft.com/office/powerpoint/2010/main" val="375134247"/>
+        <p14:creationId xmlns:p14="http://schemas.microsoft.com/office/powerpoint/2010/main" val="598643784"/>
       </p:ext>
     </p:extLst>
   </p:cSld>
@@ -8527,7 +8929,7 @@
           <p:cNvPr id="2" name="Titel 1">
             <a:extLst>
               <a:ext uri="{FF2B5EF4-FFF2-40B4-BE49-F238E27FC236}">
-                <a16:creationId xmlns:a16="http://schemas.microsoft.com/office/drawing/2014/main" id="{F62F16A1-6895-C38C-44FC-4ADB328C13BD}"/>
+                <a16:creationId xmlns:a16="http://schemas.microsoft.com/office/drawing/2014/main" id="{A0348EF5-9B01-8BFA-57F7-C4F8B452D0FA}"/>
               </a:ext>
             </a:extLst>
           </p:cNvPr>
@@ -8535,28 +8937,27 @@
             <a:spLocks noGrp="1"/>
           </p:cNvSpPr>
           <p:nvPr>
-            <p:ph type="title"/>
-          </p:nvPr>
-        </p:nvSpPr>
-        <p:spPr/>
-        <p:txBody>
-          <a:bodyPr/>
-          <a:lstStyle/>
-          <a:p>
-            <a:pPr algn="ctr"/>
-            <a:r>
-              <a:rPr lang="de-DE" b="1" dirty="0"/>
-              <a:t>Merksatz</a:t>
-            </a:r>
-          </a:p>
-        </p:txBody>
-      </p:sp>
-      <p:sp>
-        <p:nvSpPr>
-          <p:cNvPr id="3" name="Inhaltsplatzhalter 2">
+            <p:ph type="ctrTitle"/>
+          </p:nvPr>
+        </p:nvSpPr>
+        <p:spPr/>
+        <p:txBody>
+          <a:bodyPr/>
+          <a:lstStyle/>
+          <a:p>
+            <a:r>
+              <a:rPr lang="de-DE" dirty="0"/>
+              <a:t>Zum später anschauen</a:t>
+            </a:r>
+          </a:p>
+        </p:txBody>
+      </p:sp>
+      <p:sp>
+        <p:nvSpPr>
+          <p:cNvPr id="3" name="Untertitel 2">
             <a:extLst>
               <a:ext uri="{FF2B5EF4-FFF2-40B4-BE49-F238E27FC236}">
-                <a16:creationId xmlns:a16="http://schemas.microsoft.com/office/drawing/2014/main" id="{0761E9EE-4312-3123-EC6E-467A3392F673}"/>
+                <a16:creationId xmlns:a16="http://schemas.microsoft.com/office/drawing/2014/main" id="{E7D0572C-C296-561D-1D0B-7401DB541DD8}"/>
               </a:ext>
             </a:extLst>
           </p:cNvPr>
@@ -8564,7 +8965,7 @@
             <a:spLocks noGrp="1"/>
           </p:cNvSpPr>
           <p:nvPr>
-            <p:ph idx="1"/>
+            <p:ph type="subTitle" idx="1"/>
           </p:nvPr>
         </p:nvSpPr>
         <p:spPr/>
@@ -8574,56 +8975,21 @@
           </a:bodyPr>
           <a:lstStyle/>
           <a:p>
-            <a:pPr marL="0" indent="0" algn="ctr">
-              <a:buNone/>
-            </a:pPr>
+            <a:r>
+              <a:rPr lang="de-DE" sz="2400" dirty="0" err="1">
+                <a:hlinkClick r:id="rId2"/>
+              </a:rPr>
+              <a:t>Github</a:t>
+            </a:r>
             <a:r>
               <a:rPr lang="de-DE" sz="2400" dirty="0">
-                <a:effectLst/>
+                <a:hlinkClick r:id="rId2"/>
               </a:rPr>
-              <a:t>Das Observer Pattern ist wie ein </a:t>
-            </a:r>
-            <a:r>
-              <a:rPr lang="de-DE" sz="2400" b="1" dirty="0">
-                <a:effectLst/>
-              </a:rPr>
-              <a:t>Newsletter</a:t>
-            </a:r>
-            <a:r>
-              <a:rPr lang="de-DE" sz="2400" dirty="0">
-                <a:effectLst/>
-              </a:rPr>
-              <a:t>:</a:t>
-            </a:r>
-          </a:p>
-          <a:p>
-            <a:pPr marL="0" indent="0" algn="ctr">
-              <a:buNone/>
-            </a:pPr>
-            <a:r>
-              <a:rPr lang="de-DE" sz="2400" dirty="0">
-                <a:effectLst/>
-              </a:rPr>
-              <a:t>Sobald neue Informationen erscheinen, werden alle </a:t>
-            </a:r>
-            <a:r>
-              <a:rPr lang="de-DE" sz="2400" b="1" dirty="0">
-                <a:effectLst/>
-              </a:rPr>
-              <a:t>Abonnenten (Observer)</a:t>
-            </a:r>
-            <a:r>
-              <a:rPr lang="de-DE" sz="2400" dirty="0">
-                <a:effectLst/>
-              </a:rPr>
-              <a:t> automatisch benachrichtigt.</a:t>
-            </a:r>
-          </a:p>
-          <a:p>
-            <a:pPr marL="0" indent="0" algn="ctr">
-              <a:buNone/>
-            </a:pPr>
-            <a:endParaRPr lang="de-DE" sz="2400" dirty="0"/>
+              <a:t>-Repository</a:t>
+            </a:r>
+            <a:endParaRPr lang="de-DE" sz="2400" dirty="0">
+              <a:effectLst/>
+            </a:endParaRPr>
           </a:p>
         </p:txBody>
       </p:sp>
@@ -8632,7 +8998,7 @@
           <p:cNvPr id="4" name="Datumsplatzhalter 3">
             <a:extLst>
               <a:ext uri="{FF2B5EF4-FFF2-40B4-BE49-F238E27FC236}">
-                <a16:creationId xmlns:a16="http://schemas.microsoft.com/office/drawing/2014/main" id="{94AA961A-239D-82E7-4B51-153D7DE4A2BC}"/>
+                <a16:creationId xmlns:a16="http://schemas.microsoft.com/office/drawing/2014/main" id="{D2BC3F5A-EABE-9BF0-6C33-1FA6CE884BF9}"/>
               </a:ext>
             </a:extLst>
           </p:cNvPr>
@@ -8648,11 +9014,11 @@
           <a:bodyPr/>
           <a:lstStyle/>
           <a:p>
-            <a:fld id="{0990A61C-8A35-43B9-89FD-0F14341C3F3C}" type="datetime2">
+            <a:fld id="{3C06F657-8A70-4A9E-8680-EC0362A7C1B2}" type="datetime2">
               <a:rPr lang="de-DE" smtClean="0"/>
-              <a:t>Mittwoch, 8. Oktober 2025</a:t>
+              <a:t>Montag, 10. November 2025</a:t>
             </a:fld>
-            <a:endParaRPr lang="en-US"/>
+            <a:endParaRPr lang="en-US" dirty="0"/>
           </a:p>
         </p:txBody>
       </p:sp>
@@ -8661,7 +9027,7 @@
           <p:cNvPr id="5" name="Fußzeilenplatzhalter 4">
             <a:extLst>
               <a:ext uri="{FF2B5EF4-FFF2-40B4-BE49-F238E27FC236}">
-                <a16:creationId xmlns:a16="http://schemas.microsoft.com/office/drawing/2014/main" id="{ADA181E9-428B-3C08-339C-4E4B85DF0BDD}"/>
+                <a16:creationId xmlns:a16="http://schemas.microsoft.com/office/drawing/2014/main" id="{ACECD069-63AC-F472-DA86-FDE8F9A802CC}"/>
               </a:ext>
             </a:extLst>
           </p:cNvPr>
@@ -8690,7 +9056,7 @@
           <p:cNvPr id="6" name="Foliennummernplatzhalter 5">
             <a:extLst>
               <a:ext uri="{FF2B5EF4-FFF2-40B4-BE49-F238E27FC236}">
-                <a16:creationId xmlns:a16="http://schemas.microsoft.com/office/drawing/2014/main" id="{B4722708-4858-2594-3E33-3C50652F5C44}"/>
+                <a16:creationId xmlns:a16="http://schemas.microsoft.com/office/drawing/2014/main" id="{922AA6F1-A601-7045-F22F-838E55F415D9}"/>
               </a:ext>
             </a:extLst>
           </p:cNvPr>
@@ -8717,7 +9083,7 @@
     </p:spTree>
     <p:extLst>
       <p:ext uri="{BB962C8B-B14F-4D97-AF65-F5344CB8AC3E}">
-        <p14:creationId xmlns:p14="http://schemas.microsoft.com/office/powerpoint/2010/main" val="598643784"/>
+        <p14:creationId xmlns:p14="http://schemas.microsoft.com/office/powerpoint/2010/main" val="123415345"/>
       </p:ext>
     </p:extLst>
   </p:cSld>

--- a/Observer (Beobachter).pptx
+++ b/Observer (Beobachter).pptx
@@ -205,7 +205,7 @@
           <a:p>
             <a:fld id="{DB5E5C4F-5CD3-4813-8A58-17042F1AE97C}" type="datetimeFigureOut">
               <a:rPr lang="de-DE" smtClean="0"/>
-              <a:t>10.11.2025</a:t>
+              <a:t>03.12.2025</a:t>
             </a:fld>
             <a:endParaRPr lang="de-DE"/>
           </a:p>
@@ -1744,7 +1744,7 @@
           <a:p>
             <a:fld id="{3C06F657-8A70-4A9E-8680-EC0362A7C1B2}" type="datetime2">
               <a:rPr lang="de-DE" smtClean="0"/>
-              <a:t>Montag, 10. November 2025</a:t>
+              <a:t>Mittwoch, 3. Dezember 2025</a:t>
             </a:fld>
             <a:endParaRPr lang="en-US"/>
           </a:p>
@@ -2039,7 +2039,7 @@
           <a:p>
             <a:fld id="{B4F708C5-41F9-43BC-8B52-6D1EFE642DC3}" type="datetime2">
               <a:rPr lang="de-DE" smtClean="0"/>
-              <a:t>Montag, 10. November 2025</a:t>
+              <a:t>Mittwoch, 3. Dezember 2025</a:t>
             </a:fld>
             <a:endParaRPr lang="en-US"/>
           </a:p>
@@ -2303,7 +2303,7 @@
           <a:p>
             <a:fld id="{B4F708C5-41F9-43BC-8B52-6D1EFE642DC3}" type="datetime2">
               <a:rPr lang="de-DE" smtClean="0"/>
-              <a:t>Montag, 10. November 2025</a:t>
+              <a:t>Mittwoch, 3. Dezember 2025</a:t>
             </a:fld>
             <a:endParaRPr lang="en-US"/>
           </a:p>
@@ -2777,7 +2777,7 @@
           <a:p>
             <a:fld id="{B4F708C5-41F9-43BC-8B52-6D1EFE642DC3}" type="datetime2">
               <a:rPr lang="de-DE" smtClean="0"/>
-              <a:t>Montag, 10. November 2025</a:t>
+              <a:t>Mittwoch, 3. Dezember 2025</a:t>
             </a:fld>
             <a:endParaRPr lang="en-US"/>
           </a:p>
@@ -2962,7 +2962,7 @@
           <a:p>
             <a:fld id="{B4F708C5-41F9-43BC-8B52-6D1EFE642DC3}" type="datetime2">
               <a:rPr lang="de-DE" smtClean="0"/>
-              <a:t>Montag, 10. November 2025</a:t>
+              <a:t>Mittwoch, 3. Dezember 2025</a:t>
             </a:fld>
             <a:endParaRPr lang="en-US"/>
           </a:p>
@@ -3543,7 +3543,7 @@
           <a:p>
             <a:fld id="{B4F708C5-41F9-43BC-8B52-6D1EFE642DC3}" type="datetime2">
               <a:rPr lang="de-DE" smtClean="0"/>
-              <a:t>Montag, 10. November 2025</a:t>
+              <a:t>Mittwoch, 3. Dezember 2025</a:t>
             </a:fld>
             <a:endParaRPr lang="en-US"/>
           </a:p>
@@ -3880,7 +3880,7 @@
           <a:p>
             <a:fld id="{B4F708C5-41F9-43BC-8B52-6D1EFE642DC3}" type="datetime2">
               <a:rPr lang="de-DE" smtClean="0"/>
-              <a:t>Montag, 10. November 2025</a:t>
+              <a:t>Mittwoch, 3. Dezember 2025</a:t>
             </a:fld>
             <a:endParaRPr lang="en-US"/>
           </a:p>
@@ -4060,7 +4060,7 @@
           <a:p>
             <a:fld id="{0A14B465-6954-4C35-A00B-039D68DE2B25}" type="datetime2">
               <a:rPr lang="de-DE" smtClean="0"/>
-              <a:t>Montag, 10. November 2025</a:t>
+              <a:t>Mittwoch, 3. Dezember 2025</a:t>
             </a:fld>
             <a:endParaRPr lang="en-US"/>
           </a:p>
@@ -4244,7 +4244,7 @@
           <a:p>
             <a:fld id="{3F035CDA-45F3-41C3-91A1-2AFC27A12227}" type="datetime2">
               <a:rPr lang="de-DE" smtClean="0"/>
-              <a:t>Montag, 10. November 2025</a:t>
+              <a:t>Mittwoch, 3. Dezember 2025</a:t>
             </a:fld>
             <a:endParaRPr lang="en-US"/>
           </a:p>
@@ -4418,7 +4418,7 @@
           <a:p>
             <a:fld id="{0990A61C-8A35-43B9-89FD-0F14341C3F3C}" type="datetime2">
               <a:rPr lang="de-DE" smtClean="0"/>
-              <a:t>Montag, 10. November 2025</a:t>
+              <a:t>Mittwoch, 3. Dezember 2025</a:t>
             </a:fld>
             <a:endParaRPr lang="en-US"/>
           </a:p>
@@ -4679,7 +4679,7 @@
           <a:p>
             <a:fld id="{FE15F849-CA23-46D9-A838-54BB3E2B9C19}" type="datetime2">
               <a:rPr lang="de-DE" smtClean="0"/>
-              <a:t>Montag, 10. November 2025</a:t>
+              <a:t>Mittwoch, 3. Dezember 2025</a:t>
             </a:fld>
             <a:endParaRPr lang="en-US"/>
           </a:p>
@@ -4975,7 +4975,7 @@
           <a:p>
             <a:fld id="{7DACDD20-5AC8-4B6C-B81D-41260ACFD7CE}" type="datetime2">
               <a:rPr lang="de-DE" smtClean="0"/>
-              <a:t>Montag, 10. November 2025</a:t>
+              <a:t>Mittwoch, 3. Dezember 2025</a:t>
             </a:fld>
             <a:endParaRPr lang="en-US"/>
           </a:p>
@@ -5409,7 +5409,7 @@
           <a:p>
             <a:fld id="{75A975B9-B801-4748-AF54-F3388BCB44A7}" type="datetime2">
               <a:rPr lang="de-DE" smtClean="0"/>
-              <a:t>Montag, 10. November 2025</a:t>
+              <a:t>Mittwoch, 3. Dezember 2025</a:t>
             </a:fld>
             <a:endParaRPr lang="en-US"/>
           </a:p>
@@ -5531,7 +5531,7 @@
           <a:p>
             <a:fld id="{640467BD-D474-4ABE-A6AF-C0F55E8C147B}" type="datetime2">
               <a:rPr lang="de-DE" smtClean="0"/>
-              <a:t>Montag, 10. November 2025</a:t>
+              <a:t>Mittwoch, 3. Dezember 2025</a:t>
             </a:fld>
             <a:endParaRPr lang="en-US"/>
           </a:p>
@@ -5630,7 +5630,7 @@
           <a:p>
             <a:fld id="{13317DE4-8E9D-487E-B8F8-AD8DE7E15E41}" type="datetime2">
               <a:rPr lang="de-DE" smtClean="0"/>
-              <a:t>Montag, 10. November 2025</a:t>
+              <a:t>Mittwoch, 3. Dezember 2025</a:t>
             </a:fld>
             <a:endParaRPr lang="en-US"/>
           </a:p>
@@ -5917,7 +5917,7 @@
           <a:p>
             <a:fld id="{6C5681B7-8BEA-45A6-834E-230CEA58D401}" type="datetime2">
               <a:rPr lang="de-DE" smtClean="0"/>
-              <a:t>Montag, 10. November 2025</a:t>
+              <a:t>Mittwoch, 3. Dezember 2025</a:t>
             </a:fld>
             <a:endParaRPr lang="en-US"/>
           </a:p>
@@ -6212,7 +6212,7 @@
           <a:p>
             <a:fld id="{B4F708C5-41F9-43BC-8B52-6D1EFE642DC3}" type="datetime2">
               <a:rPr lang="de-DE" smtClean="0"/>
-              <a:t>Montag, 10. November 2025</a:t>
+              <a:t>Mittwoch, 3. Dezember 2025</a:t>
             </a:fld>
             <a:endParaRPr lang="en-US"/>
           </a:p>
@@ -6448,7 +6448,7 @@
           <a:p>
             <a:fld id="{B4F708C5-41F9-43BC-8B52-6D1EFE642DC3}" type="datetime2">
               <a:rPr lang="de-DE" smtClean="0"/>
-              <a:t>Montag, 10. November 2025</a:t>
+              <a:t>Mittwoch, 3. Dezember 2025</a:t>
             </a:fld>
             <a:endParaRPr lang="en-US"/>
           </a:p>
@@ -7301,7 +7301,7 @@
           <a:p>
             <a:fld id="{3C06F657-8A70-4A9E-8680-EC0362A7C1B2}" type="datetime2">
               <a:rPr lang="de-DE" smtClean="0"/>
-              <a:t>Montag, 10. November 2025</a:t>
+              <a:t>Mittwoch, 3. Dezember 2025</a:t>
             </a:fld>
             <a:endParaRPr lang="en-US"/>
           </a:p>
@@ -7456,25 +7456,19 @@
           <a:p>
             <a:r>
               <a:rPr lang="de-DE" sz="2400" dirty="0"/>
+              <a:t>Problem</a:t>
+            </a:r>
+          </a:p>
+          <a:p>
+            <a:r>
+              <a:rPr lang="de-DE" sz="2400" dirty="0"/>
               <a:t>Funktionsweise / Definition</a:t>
             </a:r>
           </a:p>
           <a:p>
             <a:r>
               <a:rPr lang="de-DE" sz="2400" dirty="0"/>
-              <a:t>Problem</a:t>
-            </a:r>
-          </a:p>
-          <a:p>
-            <a:r>
-              <a:rPr lang="de-DE" sz="2400" dirty="0"/>
-              <a:t>Lösung</a:t>
-            </a:r>
-          </a:p>
-          <a:p>
-            <a:r>
-              <a:rPr lang="de-DE" sz="2400" dirty="0"/>
-              <a:t>Struktur</a:t>
+              <a:t>Struktur &amp; Code</a:t>
             </a:r>
           </a:p>
           <a:p>
@@ -7514,7 +7508,7 @@
           <a:p>
             <a:fld id="{0990A61C-8A35-43B9-89FD-0F14341C3F3C}" type="datetime2">
               <a:rPr lang="de-DE" smtClean="0"/>
-              <a:t>Montag, 10. November 2025</a:t>
+              <a:t>Mittwoch, 3. Dezember 2025</a:t>
             </a:fld>
             <a:endParaRPr lang="en-US"/>
           </a:p>
@@ -7706,7 +7700,7 @@
           <a:p>
             <a:fld id="{0990A61C-8A35-43B9-89FD-0F14341C3F3C}" type="datetime2">
               <a:rPr lang="de-DE" smtClean="0"/>
-              <a:t>Montag, 10. November 2025</a:t>
+              <a:t>Mittwoch, 3. Dezember 2025</a:t>
             </a:fld>
             <a:endParaRPr lang="en-US"/>
           </a:p>
@@ -7994,7 +7988,7 @@
           <a:p>
             <a:fld id="{0990A61C-8A35-43B9-89FD-0F14341C3F3C}" type="datetime2">
               <a:rPr lang="de-DE" smtClean="0"/>
-              <a:t>Montag, 10. November 2025</a:t>
+              <a:t>Mittwoch, 3. Dezember 2025</a:t>
             </a:fld>
             <a:endParaRPr lang="en-US"/>
           </a:p>
@@ -8146,7 +8140,7 @@
           <a:p>
             <a:fld id="{0990A61C-8A35-43B9-89FD-0F14341C3F3C}" type="datetime2">
               <a:rPr lang="de-DE" smtClean="0"/>
-              <a:t>Montag, 10. November 2025</a:t>
+              <a:t>Mittwoch, 3. Dezember 2025</a:t>
             </a:fld>
             <a:endParaRPr lang="en-US"/>
           </a:p>
@@ -8393,7 +8387,7 @@
           <a:p>
             <a:fld id="{7DACDD20-5AC8-4B6C-B81D-41260ACFD7CE}" type="datetime2">
               <a:rPr lang="de-DE" smtClean="0"/>
-              <a:t>Montag, 10. November 2025</a:t>
+              <a:t>Mittwoch, 3. Dezember 2025</a:t>
             </a:fld>
             <a:endParaRPr lang="en-US"/>
           </a:p>
@@ -8608,7 +8602,7 @@
           <a:p>
             <a:fld id="{0990A61C-8A35-43B9-89FD-0F14341C3F3C}" type="datetime2">
               <a:rPr lang="de-DE" smtClean="0"/>
-              <a:t>Montag, 10. November 2025</a:t>
+              <a:t>Mittwoch, 3. Dezember 2025</a:t>
             </a:fld>
             <a:endParaRPr lang="en-US"/>
           </a:p>
@@ -8830,7 +8824,7 @@
           <a:p>
             <a:fld id="{0990A61C-8A35-43B9-89FD-0F14341C3F3C}" type="datetime2">
               <a:rPr lang="de-DE" smtClean="0"/>
-              <a:t>Montag, 10. November 2025</a:t>
+              <a:t>Mittwoch, 3. Dezember 2025</a:t>
             </a:fld>
             <a:endParaRPr lang="en-US"/>
           </a:p>
@@ -9016,7 +9010,7 @@
           <a:p>
             <a:fld id="{3C06F657-8A70-4A9E-8680-EC0362A7C1B2}" type="datetime2">
               <a:rPr lang="de-DE" smtClean="0"/>
-              <a:t>Montag, 10. November 2025</a:t>
+              <a:t>Mittwoch, 3. Dezember 2025</a:t>
             </a:fld>
             <a:endParaRPr lang="en-US" dirty="0"/>
           </a:p>

--- a/Observer (Beobachter).pptx
+++ b/Observer (Beobachter).pptx
@@ -516,195 +516,6 @@
           <a:bodyPr/>
           <a:lstStyle/>
           <a:p>
-            <a:r>
-              <a:rPr lang="de-DE" dirty="0"/>
-              <a:t>Problem als Frage verpacken in der Präsentation</a:t>
-            </a:r>
-          </a:p>
-          <a:p>
-            <a:endParaRPr lang="de-DE" dirty="0"/>
-          </a:p>
-          <a:p>
-            <a:r>
-              <a:rPr lang="de-DE" sz="1200" b="1" i="0" kern="1200" dirty="0">
-                <a:solidFill>
-                  <a:schemeClr val="tx1"/>
-                </a:solidFill>
-                <a:effectLst/>
-                <a:latin typeface="+mn-lt"/>
-                <a:ea typeface="+mn-ea"/>
-                <a:cs typeface="+mn-cs"/>
-              </a:rPr>
-              <a:t>Problemstellung</a:t>
-            </a:r>
-          </a:p>
-          <a:p>
-            <a:r>
-              <a:rPr lang="de-DE" sz="1200" b="0" i="0" kern="1200" dirty="0">
-                <a:solidFill>
-                  <a:schemeClr val="tx1"/>
-                </a:solidFill>
-                <a:effectLst/>
-                <a:latin typeface="+mn-lt"/>
-                <a:ea typeface="+mn-ea"/>
-                <a:cs typeface="+mn-cs"/>
-              </a:rPr>
-              <a:t>Mehrere Objekte (Observer) interessieren sich für Änderungen im Zustand eines anderen Objekts (</a:t>
-            </a:r>
-            <a:r>
-              <a:rPr lang="de-DE" sz="1200" b="0" i="0" kern="1200" dirty="0" err="1">
-                <a:solidFill>
-                  <a:schemeClr val="tx1"/>
-                </a:solidFill>
-                <a:effectLst/>
-                <a:latin typeface="+mn-lt"/>
-                <a:ea typeface="+mn-ea"/>
-                <a:cs typeface="+mn-cs"/>
-              </a:rPr>
-              <a:t>Subject</a:t>
-            </a:r>
-            <a:r>
-              <a:rPr lang="de-DE" sz="1200" b="0" i="0" kern="1200" dirty="0">
-                <a:solidFill>
-                  <a:schemeClr val="tx1"/>
-                </a:solidFill>
-                <a:effectLst/>
-                <a:latin typeface="+mn-lt"/>
-                <a:ea typeface="+mn-ea"/>
-                <a:cs typeface="+mn-cs"/>
-              </a:rPr>
-              <a:t>).</a:t>
-            </a:r>
-          </a:p>
-          <a:p>
-            <a:r>
-              <a:rPr lang="de-DE" sz="1200" b="0" i="0" kern="1200" dirty="0">
-                <a:solidFill>
-                  <a:schemeClr val="tx1"/>
-                </a:solidFill>
-                <a:effectLst/>
-                <a:latin typeface="+mn-lt"/>
-                <a:ea typeface="+mn-ea"/>
-                <a:cs typeface="+mn-cs"/>
-              </a:rPr>
-              <a:t>Ohne Pattern müsste das </a:t>
-            </a:r>
-            <a:r>
-              <a:rPr lang="de-DE" sz="1200" b="0" i="0" kern="1200" dirty="0" err="1">
-                <a:solidFill>
-                  <a:schemeClr val="tx1"/>
-                </a:solidFill>
-                <a:effectLst/>
-                <a:latin typeface="+mn-lt"/>
-                <a:ea typeface="+mn-ea"/>
-                <a:cs typeface="+mn-cs"/>
-              </a:rPr>
-              <a:t>Subject</a:t>
-            </a:r>
-            <a:r>
-              <a:rPr lang="de-DE" sz="1200" b="0" i="0" kern="1200" dirty="0">
-                <a:solidFill>
-                  <a:schemeClr val="tx1"/>
-                </a:solidFill>
-                <a:effectLst/>
-                <a:latin typeface="+mn-lt"/>
-                <a:ea typeface="+mn-ea"/>
-                <a:cs typeface="+mn-cs"/>
-              </a:rPr>
-              <a:t> </a:t>
-            </a:r>
-            <a:r>
-              <a:rPr lang="de-DE" sz="1200" b="1" i="0" kern="1200" dirty="0">
-                <a:solidFill>
-                  <a:schemeClr val="tx1"/>
-                </a:solidFill>
-                <a:effectLst/>
-                <a:latin typeface="+mn-lt"/>
-                <a:ea typeface="+mn-ea"/>
-                <a:cs typeface="+mn-cs"/>
-              </a:rPr>
-              <a:t>hart codiert</a:t>
-            </a:r>
-            <a:r>
-              <a:rPr lang="de-DE" sz="1200" b="0" i="0" kern="1200" dirty="0">
-                <a:solidFill>
-                  <a:schemeClr val="tx1"/>
-                </a:solidFill>
-                <a:effectLst/>
-                <a:latin typeface="+mn-lt"/>
-                <a:ea typeface="+mn-ea"/>
-                <a:cs typeface="+mn-cs"/>
-              </a:rPr>
-              <a:t> wissen, welche Observer es benachrichtigen muss → enge Kopplung.</a:t>
-            </a:r>
-          </a:p>
-          <a:p>
-            <a:r>
-              <a:rPr lang="de-DE" sz="1200" b="0" i="0" kern="1200" dirty="0">
-                <a:solidFill>
-                  <a:schemeClr val="tx1"/>
-                </a:solidFill>
-                <a:effectLst/>
-                <a:latin typeface="+mn-lt"/>
-                <a:ea typeface="+mn-ea"/>
-                <a:cs typeface="+mn-cs"/>
-              </a:rPr>
-              <a:t>Das macht die Architektur </a:t>
-            </a:r>
-            <a:r>
-              <a:rPr lang="de-DE" sz="1200" b="1" i="0" kern="1200" dirty="0">
-                <a:solidFill>
-                  <a:schemeClr val="tx1"/>
-                </a:solidFill>
-                <a:effectLst/>
-                <a:latin typeface="+mn-lt"/>
-                <a:ea typeface="+mn-ea"/>
-                <a:cs typeface="+mn-cs"/>
-              </a:rPr>
-              <a:t>unflexibel und schwer erweiterbar</a:t>
-            </a:r>
-            <a:r>
-              <a:rPr lang="de-DE" sz="1200" b="0" i="0" kern="1200" dirty="0">
-                <a:solidFill>
-                  <a:schemeClr val="tx1"/>
-                </a:solidFill>
-                <a:effectLst/>
-                <a:latin typeface="+mn-lt"/>
-                <a:ea typeface="+mn-ea"/>
-                <a:cs typeface="+mn-cs"/>
-              </a:rPr>
-              <a:t>.</a:t>
-            </a:r>
-          </a:p>
-          <a:p>
-            <a:endParaRPr lang="de-DE" sz="1200" b="0" i="0" kern="1200" dirty="0">
-              <a:solidFill>
-                <a:schemeClr val="tx1"/>
-              </a:solidFill>
-              <a:effectLst/>
-              <a:latin typeface="+mn-lt"/>
-              <a:ea typeface="+mn-ea"/>
-              <a:cs typeface="+mn-cs"/>
-            </a:endParaRPr>
-          </a:p>
-          <a:p>
-            <a:r>
-              <a:rPr lang="de-DE" sz="1200" b="0" i="0" kern="1200" dirty="0">
-                <a:solidFill>
-                  <a:schemeClr val="tx1"/>
-                </a:solidFill>
-                <a:effectLst/>
-                <a:latin typeface="+mn-lt"/>
-                <a:ea typeface="+mn-ea"/>
-                <a:cs typeface="+mn-cs"/>
-              </a:rPr>
-              <a:t>Beispiel: Eine Wetterstation misst Temperaturen, verschiedene Displays und Logger wollen informiert werden, wenn sich die Temperatur ändert.</a:t>
-            </a:r>
-          </a:p>
-          <a:p>
-            <a:br>
-              <a:rPr lang="de-DE" dirty="0"/>
-            </a:br>
             <a:endParaRPr lang="de-DE" dirty="0"/>
           </a:p>
         </p:txBody>
@@ -726,7 +537,7 @@
           <a:p>
             <a:fld id="{9479FC98-DDC4-40A5-90CB-37FFA02134FB}" type="slidenum">
               <a:rPr lang="de-DE" smtClean="0"/>
-              <a:t>3</a:t>
+              <a:t>1</a:t>
             </a:fld>
             <a:endParaRPr lang="de-DE"/>
           </a:p>
@@ -735,7 +546,7 @@
     </p:spTree>
     <p:extLst>
       <p:ext uri="{BB962C8B-B14F-4D97-AF65-F5344CB8AC3E}">
-        <p14:creationId xmlns:p14="http://schemas.microsoft.com/office/powerpoint/2010/main" val="1334925992"/>
+        <p14:creationId xmlns:p14="http://schemas.microsoft.com/office/powerpoint/2010/main" val="845953316"/>
       </p:ext>
     </p:extLst>
   </p:cSld>
@@ -789,146 +600,195 @@
           <a:bodyPr/>
           <a:lstStyle/>
           <a:p>
-            <a:pPr marL="0" marR="0" lvl="0" indent="0" algn="l" defTabSz="914400" rtl="0" eaLnBrk="1" fontAlgn="auto" latinLnBrk="0" hangingPunct="1">
-              <a:lnSpc>
-                <a:spcPct val="100000"/>
-              </a:lnSpc>
-              <a:spcBef>
-                <a:spcPts val="0"/>
-              </a:spcBef>
-              <a:spcAft>
-                <a:spcPts val="0"/>
-              </a:spcAft>
-              <a:buClrTx/>
-              <a:buSzTx/>
-              <a:buFontTx/>
-              <a:buNone/>
-              <a:tabLst/>
-              <a:defRPr/>
-            </a:pPr>
-            <a:r>
-              <a:rPr lang="de-DE" sz="1200" dirty="0"/>
-              <a:t>Die Grundidee des Musters, das mehrere Objekte informiert werden, sobald sich der Zustand eines bestimmten </a:t>
-            </a:r>
             <a:r>
               <a:rPr lang="de-DE" dirty="0"/>
-              <a:t>Subjekts</a:t>
-            </a:r>
-            <a:r>
-              <a:rPr lang="de-DE" sz="1200" dirty="0"/>
-              <a:t> sich ändert. </a:t>
-            </a:r>
-          </a:p>
-          <a:p>
-            <a:pPr marL="0" marR="0" lvl="0" indent="0" algn="l" defTabSz="914400" rtl="0" eaLnBrk="1" fontAlgn="auto" latinLnBrk="0" hangingPunct="1">
-              <a:lnSpc>
-                <a:spcPct val="100000"/>
-              </a:lnSpc>
-              <a:spcBef>
-                <a:spcPts val="0"/>
-              </a:spcBef>
-              <a:spcAft>
-                <a:spcPts val="0"/>
-              </a:spcAft>
-              <a:buClrTx/>
-              <a:buSzTx/>
-              <a:buFontTx/>
-              <a:buNone/>
-              <a:tabLst/>
-              <a:defRPr/>
-            </a:pPr>
-            <a:r>
-              <a:rPr lang="de-DE" sz="1200" dirty="0"/>
-              <a:t>Das </a:t>
-            </a:r>
-            <a:r>
+              <a:t>Problem als Frage verpacken in der Präsentation</a:t>
+            </a:r>
+          </a:p>
+          <a:p>
+            <a:endParaRPr lang="de-DE" dirty="0"/>
+          </a:p>
+          <a:p>
+            <a:r>
+              <a:rPr lang="de-DE" sz="1200" b="1" i="0" kern="1200" dirty="0">
+                <a:solidFill>
+                  <a:schemeClr val="tx1"/>
+                </a:solidFill>
+                <a:effectLst/>
+                <a:latin typeface="+mn-lt"/>
+                <a:ea typeface="+mn-ea"/>
+                <a:cs typeface="+mn-cs"/>
+              </a:rPr>
+              <a:t>Problemstellung</a:t>
+            </a:r>
+          </a:p>
+          <a:p>
+            <a:r>
+              <a:rPr lang="de-DE" sz="1200" b="0" i="0" kern="1200" dirty="0">
+                <a:solidFill>
+                  <a:schemeClr val="tx1"/>
+                </a:solidFill>
+                <a:effectLst/>
+                <a:latin typeface="+mn-lt"/>
+                <a:ea typeface="+mn-ea"/>
+                <a:cs typeface="+mn-cs"/>
+              </a:rPr>
+              <a:t>Mehrere Objekte (Observer) interessieren sich für Änderungen im Zustand eines anderen Objekts (</a:t>
+            </a:r>
+            <a:r>
+              <a:rPr lang="de-DE" sz="1200" b="0" i="0" kern="1200" dirty="0" err="1">
+                <a:solidFill>
+                  <a:schemeClr val="tx1"/>
+                </a:solidFill>
+                <a:effectLst/>
+                <a:latin typeface="+mn-lt"/>
+                <a:ea typeface="+mn-ea"/>
+                <a:cs typeface="+mn-cs"/>
+              </a:rPr>
+              <a:t>Subject</a:t>
+            </a:r>
+            <a:r>
+              <a:rPr lang="de-DE" sz="1200" b="0" i="0" kern="1200" dirty="0">
+                <a:solidFill>
+                  <a:schemeClr val="tx1"/>
+                </a:solidFill>
+                <a:effectLst/>
+                <a:latin typeface="+mn-lt"/>
+                <a:ea typeface="+mn-ea"/>
+                <a:cs typeface="+mn-cs"/>
+              </a:rPr>
+              <a:t>).</a:t>
+            </a:r>
+          </a:p>
+          <a:p>
+            <a:r>
+              <a:rPr lang="de-DE" sz="1200" b="0" i="0" kern="1200" dirty="0">
+                <a:solidFill>
+                  <a:schemeClr val="tx1"/>
+                </a:solidFill>
+                <a:effectLst/>
+                <a:latin typeface="+mn-lt"/>
+                <a:ea typeface="+mn-ea"/>
+                <a:cs typeface="+mn-cs"/>
+              </a:rPr>
+              <a:t>Ohne Pattern müsste das </a:t>
+            </a:r>
+            <a:r>
+              <a:rPr lang="de-DE" sz="1200" b="0" i="0" kern="1200" dirty="0" err="1">
+                <a:solidFill>
+                  <a:schemeClr val="tx1"/>
+                </a:solidFill>
+                <a:effectLst/>
+                <a:latin typeface="+mn-lt"/>
+                <a:ea typeface="+mn-ea"/>
+                <a:cs typeface="+mn-cs"/>
+              </a:rPr>
+              <a:t>Subject</a:t>
+            </a:r>
+            <a:r>
+              <a:rPr lang="de-DE" sz="1200" b="0" i="0" kern="1200" dirty="0">
+                <a:solidFill>
+                  <a:schemeClr val="tx1"/>
+                </a:solidFill>
+                <a:effectLst/>
+                <a:latin typeface="+mn-lt"/>
+                <a:ea typeface="+mn-ea"/>
+                <a:cs typeface="+mn-cs"/>
+              </a:rPr>
+              <a:t> </a:t>
+            </a:r>
+            <a:r>
+              <a:rPr lang="de-DE" sz="1200" b="1" i="0" kern="1200" dirty="0">
+                <a:solidFill>
+                  <a:schemeClr val="tx1"/>
+                </a:solidFill>
+                <a:effectLst/>
+                <a:latin typeface="+mn-lt"/>
+                <a:ea typeface="+mn-ea"/>
+                <a:cs typeface="+mn-cs"/>
+              </a:rPr>
+              <a:t>hart codiert</a:t>
+            </a:r>
+            <a:r>
+              <a:rPr lang="de-DE" sz="1200" b="0" i="0" kern="1200" dirty="0">
+                <a:solidFill>
+                  <a:schemeClr val="tx1"/>
+                </a:solidFill>
+                <a:effectLst/>
+                <a:latin typeface="+mn-lt"/>
+                <a:ea typeface="+mn-ea"/>
+                <a:cs typeface="+mn-cs"/>
+              </a:rPr>
+              <a:t> wissen, welche Observer es benachrichtigen muss → enge Kopplung.</a:t>
+            </a:r>
+          </a:p>
+          <a:p>
+            <a:r>
+              <a:rPr lang="de-DE" sz="1200" b="0" i="0" kern="1200" dirty="0">
+                <a:solidFill>
+                  <a:schemeClr val="tx1"/>
+                </a:solidFill>
+                <a:effectLst/>
+                <a:latin typeface="+mn-lt"/>
+                <a:ea typeface="+mn-ea"/>
+                <a:cs typeface="+mn-cs"/>
+              </a:rPr>
+              <a:t>Das macht die Architektur </a:t>
+            </a:r>
+            <a:r>
+              <a:rPr lang="de-DE" sz="1200" b="1" i="0" kern="1200" dirty="0">
+                <a:solidFill>
+                  <a:schemeClr val="tx1"/>
+                </a:solidFill>
+                <a:effectLst/>
+                <a:latin typeface="+mn-lt"/>
+                <a:ea typeface="+mn-ea"/>
+                <a:cs typeface="+mn-cs"/>
+              </a:rPr>
+              <a:t>unflexibel und schwer erweiterbar</a:t>
+            </a:r>
+            <a:r>
+              <a:rPr lang="de-DE" sz="1200" b="0" i="0" kern="1200" dirty="0">
+                <a:solidFill>
+                  <a:schemeClr val="tx1"/>
+                </a:solidFill>
+                <a:effectLst/>
+                <a:latin typeface="+mn-lt"/>
+                <a:ea typeface="+mn-ea"/>
+                <a:cs typeface="+mn-cs"/>
+              </a:rPr>
+              <a:t>.</a:t>
+            </a:r>
+          </a:p>
+          <a:p>
+            <a:endParaRPr lang="de-DE" sz="1200" b="0" i="0" kern="1200" dirty="0">
+              <a:solidFill>
+                <a:schemeClr val="tx1"/>
+              </a:solidFill>
+              <a:effectLst/>
+              <a:latin typeface="+mn-lt"/>
+              <a:ea typeface="+mn-ea"/>
+              <a:cs typeface="+mn-cs"/>
+            </a:endParaRPr>
+          </a:p>
+          <a:p>
+            <a:r>
+              <a:rPr lang="de-DE" sz="1200" b="0" i="0" kern="1200" dirty="0">
+                <a:solidFill>
+                  <a:schemeClr val="tx1"/>
+                </a:solidFill>
+                <a:effectLst/>
+                <a:latin typeface="+mn-lt"/>
+                <a:ea typeface="+mn-ea"/>
+                <a:cs typeface="+mn-cs"/>
+              </a:rPr>
+              <a:t>Beispiel: Eine Wetterstation misst Temperaturen, verschiedene Displays und Logger wollen informiert werden, wenn sich die Temperatur ändert.</a:t>
+            </a:r>
+          </a:p>
+          <a:p>
+            <a:br>
               <a:rPr lang="de-DE" dirty="0"/>
-              <a:t>Subjekt</a:t>
-            </a:r>
-            <a:r>
-              <a:rPr lang="de-DE" sz="1200" dirty="0"/>
-              <a:t> ist Objekt, welches wir beobachten. </a:t>
-            </a:r>
-          </a:p>
-          <a:p>
-            <a:pPr marL="0" marR="0" lvl="0" indent="0" algn="l" defTabSz="914400" rtl="0" eaLnBrk="1" fontAlgn="auto" latinLnBrk="0" hangingPunct="1">
-              <a:lnSpc>
-                <a:spcPct val="100000"/>
-              </a:lnSpc>
-              <a:spcBef>
-                <a:spcPts val="0"/>
-              </a:spcBef>
-              <a:spcAft>
-                <a:spcPts val="0"/>
-              </a:spcAft>
-              <a:buClrTx/>
-              <a:buSzTx/>
-              <a:buFontTx/>
-              <a:buNone/>
-              <a:tabLst/>
-              <a:defRPr/>
-            </a:pPr>
-            <a:r>
-              <a:rPr lang="de-DE" sz="1200" dirty="0"/>
-              <a:t>Dabei gibt es ein </a:t>
-            </a:r>
-            <a:r>
-              <a:rPr lang="de-DE" dirty="0"/>
-              <a:t>Subjekt</a:t>
-            </a:r>
-            <a:r>
-              <a:rPr lang="de-DE" sz="1200" dirty="0"/>
-              <a:t>, welches eine Liste von </a:t>
-            </a:r>
-            <a:r>
-              <a:rPr lang="de-DE" sz="1200" dirty="0" err="1"/>
-              <a:t>Observern</a:t>
-            </a:r>
-            <a:r>
-              <a:rPr lang="de-DE" sz="1200" dirty="0"/>
-              <a:t> verwaltet. Observer-Objekte können ein </a:t>
-            </a:r>
-            <a:r>
-              <a:rPr lang="de-DE" dirty="0"/>
-              <a:t>Subjekts</a:t>
-            </a:r>
-            <a:r>
-              <a:rPr lang="de-DE" sz="1200" dirty="0"/>
-              <a:t> abonnieren. </a:t>
-            </a:r>
-          </a:p>
-          <a:p>
-            <a:pPr marL="0" marR="0" lvl="0" indent="0" algn="l" defTabSz="914400" rtl="0" eaLnBrk="1" fontAlgn="auto" latinLnBrk="0" hangingPunct="1">
-              <a:lnSpc>
-                <a:spcPct val="100000"/>
-              </a:lnSpc>
-              <a:spcBef>
-                <a:spcPts val="0"/>
-              </a:spcBef>
-              <a:spcAft>
-                <a:spcPts val="0"/>
-              </a:spcAft>
-              <a:buClrTx/>
-              <a:buSzTx/>
-              <a:buFontTx/>
-              <a:buNone/>
-              <a:tabLst/>
-              <a:defRPr/>
-            </a:pPr>
-            <a:r>
-              <a:rPr lang="de-DE" sz="1200" dirty="0"/>
-              <a:t>Bei Änderung der Daten im </a:t>
-            </a:r>
-            <a:r>
-              <a:rPr lang="de-DE" dirty="0"/>
-              <a:t>Subjekts</a:t>
-            </a:r>
-            <a:r>
-              <a:rPr lang="de-DE" sz="1200" dirty="0"/>
-              <a:t> werden alle zugehörigen Observer informiert und diese können dann ihre Daten aktualisieren.</a:t>
-            </a:r>
-          </a:p>
-          <a:p>
+            </a:br>
             <a:endParaRPr lang="de-DE" dirty="0"/>
           </a:p>
         </p:txBody>
@@ -950,7 +810,7 @@
           <a:p>
             <a:fld id="{9479FC98-DDC4-40A5-90CB-37FFA02134FB}" type="slidenum">
               <a:rPr lang="de-DE" smtClean="0"/>
-              <a:t>4</a:t>
+              <a:t>3</a:t>
             </a:fld>
             <a:endParaRPr lang="de-DE"/>
           </a:p>
@@ -959,7 +819,7 @@
     </p:spTree>
     <p:extLst>
       <p:ext uri="{BB962C8B-B14F-4D97-AF65-F5344CB8AC3E}">
-        <p14:creationId xmlns:p14="http://schemas.microsoft.com/office/powerpoint/2010/main" val="1226971605"/>
+        <p14:creationId xmlns:p14="http://schemas.microsoft.com/office/powerpoint/2010/main" val="1334925992"/>
       </p:ext>
     </p:extLst>
   </p:cSld>
@@ -1013,6 +873,230 @@
           <a:bodyPr/>
           <a:lstStyle/>
           <a:p>
+            <a:pPr marL="0" marR="0" lvl="0" indent="0" algn="l" defTabSz="914400" rtl="0" eaLnBrk="1" fontAlgn="auto" latinLnBrk="0" hangingPunct="1">
+              <a:lnSpc>
+                <a:spcPct val="100000"/>
+              </a:lnSpc>
+              <a:spcBef>
+                <a:spcPts val="0"/>
+              </a:spcBef>
+              <a:spcAft>
+                <a:spcPts val="0"/>
+              </a:spcAft>
+              <a:buClrTx/>
+              <a:buSzTx/>
+              <a:buFontTx/>
+              <a:buNone/>
+              <a:tabLst/>
+              <a:defRPr/>
+            </a:pPr>
+            <a:r>
+              <a:rPr lang="de-DE" sz="1200" dirty="0"/>
+              <a:t>Die Grundidee des Musters, das mehrere Objekte informiert werden, sobald sich der Zustand eines bestimmten </a:t>
+            </a:r>
+            <a:r>
+              <a:rPr lang="de-DE" dirty="0"/>
+              <a:t>Subjekts</a:t>
+            </a:r>
+            <a:r>
+              <a:rPr lang="de-DE" sz="1200" dirty="0"/>
+              <a:t> sich ändert. </a:t>
+            </a:r>
+          </a:p>
+          <a:p>
+            <a:pPr marL="0" marR="0" lvl="0" indent="0" algn="l" defTabSz="914400" rtl="0" eaLnBrk="1" fontAlgn="auto" latinLnBrk="0" hangingPunct="1">
+              <a:lnSpc>
+                <a:spcPct val="100000"/>
+              </a:lnSpc>
+              <a:spcBef>
+                <a:spcPts val="0"/>
+              </a:spcBef>
+              <a:spcAft>
+                <a:spcPts val="0"/>
+              </a:spcAft>
+              <a:buClrTx/>
+              <a:buSzTx/>
+              <a:buFontTx/>
+              <a:buNone/>
+              <a:tabLst/>
+              <a:defRPr/>
+            </a:pPr>
+            <a:r>
+              <a:rPr lang="de-DE" sz="1200" dirty="0"/>
+              <a:t>Das </a:t>
+            </a:r>
+            <a:r>
+              <a:rPr lang="de-DE" dirty="0"/>
+              <a:t>Subjekt</a:t>
+            </a:r>
+            <a:r>
+              <a:rPr lang="de-DE" sz="1200" dirty="0"/>
+              <a:t> ist Objekt, welches wir beobachten. </a:t>
+            </a:r>
+          </a:p>
+          <a:p>
+            <a:pPr marL="0" marR="0" lvl="0" indent="0" algn="l" defTabSz="914400" rtl="0" eaLnBrk="1" fontAlgn="auto" latinLnBrk="0" hangingPunct="1">
+              <a:lnSpc>
+                <a:spcPct val="100000"/>
+              </a:lnSpc>
+              <a:spcBef>
+                <a:spcPts val="0"/>
+              </a:spcBef>
+              <a:spcAft>
+                <a:spcPts val="0"/>
+              </a:spcAft>
+              <a:buClrTx/>
+              <a:buSzTx/>
+              <a:buFontTx/>
+              <a:buNone/>
+              <a:tabLst/>
+              <a:defRPr/>
+            </a:pPr>
+            <a:r>
+              <a:rPr lang="de-DE" sz="1200" dirty="0"/>
+              <a:t>Dabei gibt es ein </a:t>
+            </a:r>
+            <a:r>
+              <a:rPr lang="de-DE" dirty="0"/>
+              <a:t>Subjekt</a:t>
+            </a:r>
+            <a:r>
+              <a:rPr lang="de-DE" sz="1200" dirty="0"/>
+              <a:t>, welches eine Liste von </a:t>
+            </a:r>
+            <a:r>
+              <a:rPr lang="de-DE" sz="1200" dirty="0" err="1"/>
+              <a:t>Observern</a:t>
+            </a:r>
+            <a:r>
+              <a:rPr lang="de-DE" sz="1200" dirty="0"/>
+              <a:t> verwaltet. Observer-Objekte können ein </a:t>
+            </a:r>
+            <a:r>
+              <a:rPr lang="de-DE" dirty="0"/>
+              <a:t>Subjekts</a:t>
+            </a:r>
+            <a:r>
+              <a:rPr lang="de-DE" sz="1200" dirty="0"/>
+              <a:t> abonnieren. </a:t>
+            </a:r>
+          </a:p>
+          <a:p>
+            <a:pPr marL="0" marR="0" lvl="0" indent="0" algn="l" defTabSz="914400" rtl="0" eaLnBrk="1" fontAlgn="auto" latinLnBrk="0" hangingPunct="1">
+              <a:lnSpc>
+                <a:spcPct val="100000"/>
+              </a:lnSpc>
+              <a:spcBef>
+                <a:spcPts val="0"/>
+              </a:spcBef>
+              <a:spcAft>
+                <a:spcPts val="0"/>
+              </a:spcAft>
+              <a:buClrTx/>
+              <a:buSzTx/>
+              <a:buFontTx/>
+              <a:buNone/>
+              <a:tabLst/>
+              <a:defRPr/>
+            </a:pPr>
+            <a:r>
+              <a:rPr lang="de-DE" sz="1200" dirty="0"/>
+              <a:t>Bei Änderung der Daten im </a:t>
+            </a:r>
+            <a:r>
+              <a:rPr lang="de-DE" dirty="0"/>
+              <a:t>Subjekts</a:t>
+            </a:r>
+            <a:r>
+              <a:rPr lang="de-DE" sz="1200" dirty="0"/>
+              <a:t> werden alle zugehörigen Observer informiert und diese können dann ihre Daten aktualisieren.</a:t>
+            </a:r>
+          </a:p>
+          <a:p>
+            <a:endParaRPr lang="de-DE" dirty="0"/>
+          </a:p>
+        </p:txBody>
+      </p:sp>
+      <p:sp>
+        <p:nvSpPr>
+          <p:cNvPr id="4" name="Foliennummernplatzhalter 3"/>
+          <p:cNvSpPr>
+            <a:spLocks noGrp="1"/>
+          </p:cNvSpPr>
+          <p:nvPr>
+            <p:ph type="sldNum" sz="quarter" idx="5"/>
+          </p:nvPr>
+        </p:nvSpPr>
+        <p:spPr/>
+        <p:txBody>
+          <a:bodyPr/>
+          <a:lstStyle/>
+          <a:p>
+            <a:fld id="{9479FC98-DDC4-40A5-90CB-37FFA02134FB}" type="slidenum">
+              <a:rPr lang="de-DE" smtClean="0"/>
+              <a:t>4</a:t>
+            </a:fld>
+            <a:endParaRPr lang="de-DE"/>
+          </a:p>
+        </p:txBody>
+      </p:sp>
+    </p:spTree>
+    <p:extLst>
+      <p:ext uri="{BB962C8B-B14F-4D97-AF65-F5344CB8AC3E}">
+        <p14:creationId xmlns:p14="http://schemas.microsoft.com/office/powerpoint/2010/main" val="1226971605"/>
+      </p:ext>
+    </p:extLst>
+  </p:cSld>
+  <p:clrMapOvr>
+    <a:masterClrMapping/>
+  </p:clrMapOvr>
+</p:notes>
+</file>
+
+<file path=ppt/notesSlides/notesSlide4.xml><?xml version="1.0" encoding="utf-8"?>
+<p:notes xmlns:a="http://schemas.openxmlformats.org/drawingml/2006/main" xmlns:r="http://schemas.openxmlformats.org/officeDocument/2006/relationships" xmlns:p="http://schemas.openxmlformats.org/presentationml/2006/main">
+  <p:cSld>
+    <p:spTree>
+      <p:nvGrpSpPr>
+        <p:cNvPr id="1" name=""/>
+        <p:cNvGrpSpPr/>
+        <p:nvPr/>
+      </p:nvGrpSpPr>
+      <p:grpSpPr>
+        <a:xfrm>
+          <a:off x="0" y="0"/>
+          <a:ext cx="0" cy="0"/>
+          <a:chOff x="0" y="0"/>
+          <a:chExt cx="0" cy="0"/>
+        </a:xfrm>
+      </p:grpSpPr>
+      <p:sp>
+        <p:nvSpPr>
+          <p:cNvPr id="2" name="Folienbildplatzhalter 1"/>
+          <p:cNvSpPr>
+            <a:spLocks noGrp="1" noRot="1" noChangeAspect="1"/>
+          </p:cNvSpPr>
+          <p:nvPr>
+            <p:ph type="sldImg"/>
+          </p:nvPr>
+        </p:nvSpPr>
+        <p:spPr/>
+      </p:sp>
+      <p:sp>
+        <p:nvSpPr>
+          <p:cNvPr id="3" name="Notizenplatzhalter 2"/>
+          <p:cNvSpPr>
+            <a:spLocks noGrp="1"/>
+          </p:cNvSpPr>
+          <p:nvPr>
+            <p:ph type="body" idx="1"/>
+          </p:nvPr>
+        </p:nvSpPr>
+        <p:spPr/>
+        <p:txBody>
+          <a:bodyPr/>
+          <a:lstStyle/>
+          <a:p>
             <a:r>
               <a:rPr lang="de-DE" dirty="0"/>
               <a:t>Das </a:t>
@@ -1132,7 +1216,7 @@
 </p:notes>
 </file>
 
-<file path=ppt/notesSlides/notesSlide4.xml><?xml version="1.0" encoding="utf-8"?>
+<file path=ppt/notesSlides/notesSlide5.xml><?xml version="1.0" encoding="utf-8"?>
 <p:notes xmlns:a="http://schemas.openxmlformats.org/drawingml/2006/main" xmlns:r="http://schemas.openxmlformats.org/officeDocument/2006/relationships" xmlns:p="http://schemas.openxmlformats.org/presentationml/2006/main">
   <p:cSld>
     <p:spTree>
@@ -1742,7 +1826,7 @@
           <a:bodyPr/>
           <a:lstStyle/>
           <a:p>
-            <a:fld id="{3C06F657-8A70-4A9E-8680-EC0362A7C1B2}" type="datetime2">
+            <a:fld id="{0ED6613A-6B38-4C56-B099-9AE4A28A91D3}" type="datetime2">
               <a:rPr lang="de-DE" smtClean="0"/>
               <a:t>Mittwoch, 3. Dezember 2025</a:t>
             </a:fld>
@@ -1767,7 +1851,7 @@
           <a:p>
             <a:r>
               <a:rPr lang="de-DE"/>
-              <a:t>Von: Jasper Högemann, Danilo Schiefer, Mike SChröer</a:t>
+              <a:t>Von: Jasper Högemann, Danilo Schiefer, Mike Schröer</a:t>
             </a:r>
             <a:endParaRPr lang="en-US"/>
           </a:p>
@@ -2037,7 +2121,7 @@
           <a:bodyPr/>
           <a:lstStyle/>
           <a:p>
-            <a:fld id="{B4F708C5-41F9-43BC-8B52-6D1EFE642DC3}" type="datetime2">
+            <a:fld id="{024C6810-2FC2-46F6-ADDA-52C57AF8CA09}" type="datetime2">
               <a:rPr lang="de-DE" smtClean="0"/>
               <a:t>Mittwoch, 3. Dezember 2025</a:t>
             </a:fld>
@@ -2062,7 +2146,7 @@
           <a:p>
             <a:r>
               <a:rPr lang="de-DE"/>
-              <a:t>Von: Jasper Högemann, Danilo Schiefer, Mike SChröer</a:t>
+              <a:t>Von: Jasper Högemann, Danilo Schiefer, Mike Schröer</a:t>
             </a:r>
             <a:endParaRPr lang="en-US"/>
           </a:p>
@@ -2101,7 +2185,6 @@
   <p:clrMapOvr>
     <a:masterClrMapping/>
   </p:clrMapOvr>
-  <p:hf hdr="0"/>
 </p:sldLayout>
 </file>
 
@@ -2301,7 +2384,7 @@
           <a:bodyPr/>
           <a:lstStyle/>
           <a:p>
-            <a:fld id="{B4F708C5-41F9-43BC-8B52-6D1EFE642DC3}" type="datetime2">
+            <a:fld id="{BB140554-E98E-4310-A59E-F1A08FC91858}" type="datetime2">
               <a:rPr lang="de-DE" smtClean="0"/>
               <a:t>Mittwoch, 3. Dezember 2025</a:t>
             </a:fld>
@@ -2326,7 +2409,7 @@
           <a:p>
             <a:r>
               <a:rPr lang="de-DE"/>
-              <a:t>Von: Jasper Högemann, Danilo Schiefer, Mike SChröer</a:t>
+              <a:t>Von: Jasper Högemann, Danilo Schiefer, Mike Schröer</a:t>
             </a:r>
             <a:endParaRPr lang="en-US"/>
           </a:p>
@@ -2365,7 +2448,6 @@
   <p:clrMapOvr>
     <a:masterClrMapping/>
   </p:clrMapOvr>
-  <p:hf hdr="0"/>
 </p:sldLayout>
 </file>
 
@@ -2775,7 +2857,7 @@
           <a:bodyPr/>
           <a:lstStyle/>
           <a:p>
-            <a:fld id="{B4F708C5-41F9-43BC-8B52-6D1EFE642DC3}" type="datetime2">
+            <a:fld id="{3A9BECCA-FABB-4E8C-9CDE-566ACDE29DC6}" type="datetime2">
               <a:rPr lang="de-DE" smtClean="0"/>
               <a:t>Mittwoch, 3. Dezember 2025</a:t>
             </a:fld>
@@ -2800,7 +2882,7 @@
           <a:p>
             <a:r>
               <a:rPr lang="de-DE"/>
-              <a:t>Von: Jasper Högemann, Danilo Schiefer, Mike SChröer</a:t>
+              <a:t>Von: Jasper Högemann, Danilo Schiefer, Mike Schröer</a:t>
             </a:r>
             <a:endParaRPr lang="en-US"/>
           </a:p>
@@ -2839,7 +2921,6 @@
   <p:clrMapOvr>
     <a:masterClrMapping/>
   </p:clrMapOvr>
-  <p:hf hdr="0"/>
 </p:sldLayout>
 </file>
 
@@ -2960,7 +3041,7 @@
           <a:bodyPr/>
           <a:lstStyle/>
           <a:p>
-            <a:fld id="{B4F708C5-41F9-43BC-8B52-6D1EFE642DC3}" type="datetime2">
+            <a:fld id="{55D987B6-5AE4-45A8-8A90-95BC17DADC80}" type="datetime2">
               <a:rPr lang="de-DE" smtClean="0"/>
               <a:t>Mittwoch, 3. Dezember 2025</a:t>
             </a:fld>
@@ -2985,7 +3066,7 @@
           <a:p>
             <a:r>
               <a:rPr lang="de-DE"/>
-              <a:t>Von: Jasper Högemann, Danilo Schiefer, Mike SChröer</a:t>
+              <a:t>Von: Jasper Högemann, Danilo Schiefer, Mike Schröer</a:t>
             </a:r>
             <a:endParaRPr lang="en-US"/>
           </a:p>
@@ -3024,7 +3105,6 @@
   <p:clrMapOvr>
     <a:masterClrMapping/>
   </p:clrMapOvr>
-  <p:hf hdr="0"/>
 </p:sldLayout>
 </file>
 
@@ -3541,7 +3621,7 @@
           <a:bodyPr/>
           <a:lstStyle/>
           <a:p>
-            <a:fld id="{B4F708C5-41F9-43BC-8B52-6D1EFE642DC3}" type="datetime2">
+            <a:fld id="{C5F0FE0C-1F13-41DE-8677-EBC01ABF681F}" type="datetime2">
               <a:rPr lang="de-DE" smtClean="0"/>
               <a:t>Mittwoch, 3. Dezember 2025</a:t>
             </a:fld>
@@ -3566,7 +3646,7 @@
           <a:p>
             <a:r>
               <a:rPr lang="de-DE"/>
-              <a:t>Von: Jasper Högemann, Danilo Schiefer, Mike SChröer</a:t>
+              <a:t>Von: Jasper Högemann, Danilo Schiefer, Mike Schröer</a:t>
             </a:r>
             <a:endParaRPr lang="en-US"/>
           </a:p>
@@ -3605,7 +3685,6 @@
   <p:clrMapOvr>
     <a:masterClrMapping/>
   </p:clrMapOvr>
-  <p:hf hdr="0"/>
 </p:sldLayout>
 </file>
 
@@ -3878,7 +3957,7 @@
           <a:bodyPr/>
           <a:lstStyle/>
           <a:p>
-            <a:fld id="{B4F708C5-41F9-43BC-8B52-6D1EFE642DC3}" type="datetime2">
+            <a:fld id="{435F1877-BECA-4EAC-90F2-7E9F5ACE1766}" type="datetime2">
               <a:rPr lang="de-DE" smtClean="0"/>
               <a:t>Mittwoch, 3. Dezember 2025</a:t>
             </a:fld>
@@ -3903,7 +3982,7 @@
           <a:p>
             <a:r>
               <a:rPr lang="de-DE"/>
-              <a:t>Von: Jasper Högemann, Danilo Schiefer, Mike SChröer</a:t>
+              <a:t>Von: Jasper Högemann, Danilo Schiefer, Mike Schröer</a:t>
             </a:r>
             <a:endParaRPr lang="en-US"/>
           </a:p>
@@ -3942,7 +4021,6 @@
   <p:clrMapOvr>
     <a:masterClrMapping/>
   </p:clrMapOvr>
-  <p:hf hdr="0"/>
 </p:sldLayout>
 </file>
 
@@ -4058,7 +4136,7 @@
           <a:bodyPr/>
           <a:lstStyle/>
           <a:p>
-            <a:fld id="{0A14B465-6954-4C35-A00B-039D68DE2B25}" type="datetime2">
+            <a:fld id="{0F92655E-22C5-4299-9510-794C0990FD4D}" type="datetime2">
               <a:rPr lang="de-DE" smtClean="0"/>
               <a:t>Mittwoch, 3. Dezember 2025</a:t>
             </a:fld>
@@ -4083,7 +4161,7 @@
           <a:p>
             <a:r>
               <a:rPr lang="de-DE"/>
-              <a:t>Von: Jasper Högemann, Danilo Schiefer, Mike SChröer</a:t>
+              <a:t>Von: Jasper Högemann, Danilo Schiefer, Mike Schröer</a:t>
             </a:r>
             <a:endParaRPr lang="en-US"/>
           </a:p>
@@ -4242,7 +4320,7 @@
           <a:bodyPr/>
           <a:lstStyle/>
           <a:p>
-            <a:fld id="{3F035CDA-45F3-41C3-91A1-2AFC27A12227}" type="datetime2">
+            <a:fld id="{DB94E45E-BE2F-44E1-888A-96E3054EEF84}" type="datetime2">
               <a:rPr lang="de-DE" smtClean="0"/>
               <a:t>Mittwoch, 3. Dezember 2025</a:t>
             </a:fld>
@@ -4267,7 +4345,7 @@
           <a:p>
             <a:r>
               <a:rPr lang="de-DE"/>
-              <a:t>Von: Jasper Högemann, Danilo Schiefer, Mike SChröer</a:t>
+              <a:t>Von: Jasper Högemann, Danilo Schiefer, Mike Schröer</a:t>
             </a:r>
             <a:endParaRPr lang="en-US"/>
           </a:p>
@@ -4416,7 +4494,7 @@
           <a:bodyPr/>
           <a:lstStyle/>
           <a:p>
-            <a:fld id="{0990A61C-8A35-43B9-89FD-0F14341C3F3C}" type="datetime2">
+            <a:fld id="{1172EFA8-AEE5-4336-B37C-EC476F51836D}" type="datetime2">
               <a:rPr lang="de-DE" smtClean="0"/>
               <a:t>Mittwoch, 3. Dezember 2025</a:t>
             </a:fld>
@@ -4441,7 +4519,7 @@
           <a:p>
             <a:r>
               <a:rPr lang="de-DE"/>
-              <a:t>Von: Jasper Högemann, Danilo Schiefer, Mike SChröer</a:t>
+              <a:t>Von: Jasper Högemann, Danilo Schiefer, Mike Schröer</a:t>
             </a:r>
             <a:endParaRPr lang="en-US"/>
           </a:p>
@@ -4677,7 +4755,7 @@
           <a:bodyPr/>
           <a:lstStyle/>
           <a:p>
-            <a:fld id="{FE15F849-CA23-46D9-A838-54BB3E2B9C19}" type="datetime2">
+            <a:fld id="{B9628E6E-630E-49B8-98D7-C1A7C57937EA}" type="datetime2">
               <a:rPr lang="de-DE" smtClean="0"/>
               <a:t>Mittwoch, 3. Dezember 2025</a:t>
             </a:fld>
@@ -4702,7 +4780,7 @@
           <a:p>
             <a:r>
               <a:rPr lang="de-DE"/>
-              <a:t>Von: Jasper Högemann, Danilo Schiefer, Mike SChröer</a:t>
+              <a:t>Von: Jasper Högemann, Danilo Schiefer, Mike Schröer</a:t>
             </a:r>
             <a:endParaRPr lang="en-US"/>
           </a:p>
@@ -4973,7 +5051,7 @@
           <a:bodyPr/>
           <a:lstStyle/>
           <a:p>
-            <a:fld id="{7DACDD20-5AC8-4B6C-B81D-41260ACFD7CE}" type="datetime2">
+            <a:fld id="{31D6BA10-FD54-46A1-A585-09A27031A5F4}" type="datetime2">
               <a:rPr lang="de-DE" smtClean="0"/>
               <a:t>Mittwoch, 3. Dezember 2025</a:t>
             </a:fld>
@@ -4998,7 +5076,7 @@
           <a:p>
             <a:r>
               <a:rPr lang="de-DE"/>
-              <a:t>Von: Jasper Högemann, Danilo Schiefer, Mike SChröer</a:t>
+              <a:t>Von: Jasper Högemann, Danilo Schiefer, Mike Schröer</a:t>
             </a:r>
             <a:endParaRPr lang="en-US"/>
           </a:p>
@@ -5407,7 +5485,7 @@
           <a:bodyPr/>
           <a:lstStyle/>
           <a:p>
-            <a:fld id="{75A975B9-B801-4748-AF54-F3388BCB44A7}" type="datetime2">
+            <a:fld id="{D12ABEFC-03C0-4A1E-BC38-4EBD49A068F9}" type="datetime2">
               <a:rPr lang="de-DE" smtClean="0"/>
               <a:t>Mittwoch, 3. Dezember 2025</a:t>
             </a:fld>
@@ -5432,7 +5510,7 @@
           <a:p>
             <a:r>
               <a:rPr lang="de-DE"/>
-              <a:t>Von: Jasper Högemann, Danilo Schiefer, Mike SChröer</a:t>
+              <a:t>Von: Jasper Högemann, Danilo Schiefer, Mike Schröer</a:t>
             </a:r>
             <a:endParaRPr lang="en-US"/>
           </a:p>
@@ -5529,7 +5607,7 @@
           <a:bodyPr/>
           <a:lstStyle/>
           <a:p>
-            <a:fld id="{640467BD-D474-4ABE-A6AF-C0F55E8C147B}" type="datetime2">
+            <a:fld id="{546C7EE6-C2EE-4C6A-AAF0-9CA0976525EF}" type="datetime2">
               <a:rPr lang="de-DE" smtClean="0"/>
               <a:t>Mittwoch, 3. Dezember 2025</a:t>
             </a:fld>
@@ -5554,7 +5632,7 @@
           <a:p>
             <a:r>
               <a:rPr lang="de-DE"/>
-              <a:t>Von: Jasper Högemann, Danilo Schiefer, Mike SChröer</a:t>
+              <a:t>Von: Jasper Högemann, Danilo Schiefer, Mike Schröer</a:t>
             </a:r>
             <a:endParaRPr lang="en-US"/>
           </a:p>
@@ -5628,7 +5706,7 @@
           <a:bodyPr/>
           <a:lstStyle/>
           <a:p>
-            <a:fld id="{13317DE4-8E9D-487E-B8F8-AD8DE7E15E41}" type="datetime2">
+            <a:fld id="{BC1FD859-A00E-42C3-84DD-2C83B1636291}" type="datetime2">
               <a:rPr lang="de-DE" smtClean="0"/>
               <a:t>Mittwoch, 3. Dezember 2025</a:t>
             </a:fld>
@@ -5653,7 +5731,7 @@
           <a:p>
             <a:r>
               <a:rPr lang="de-DE"/>
-              <a:t>Von: Jasper Högemann, Danilo Schiefer, Mike SChröer</a:t>
+              <a:t>Von: Jasper Högemann, Danilo Schiefer, Mike Schröer</a:t>
             </a:r>
             <a:endParaRPr lang="en-US"/>
           </a:p>
@@ -5915,7 +5993,7 @@
           <a:bodyPr/>
           <a:lstStyle/>
           <a:p>
-            <a:fld id="{6C5681B7-8BEA-45A6-834E-230CEA58D401}" type="datetime2">
+            <a:fld id="{8C41A387-8BC6-46BF-A007-E324CD110F84}" type="datetime2">
               <a:rPr lang="de-DE" smtClean="0"/>
               <a:t>Mittwoch, 3. Dezember 2025</a:t>
             </a:fld>
@@ -5940,7 +6018,7 @@
           <a:p>
             <a:r>
               <a:rPr lang="de-DE"/>
-              <a:t>Von: Jasper Högemann, Danilo Schiefer, Mike SChröer</a:t>
+              <a:t>Von: Jasper Högemann, Danilo Schiefer, Mike Schröer</a:t>
             </a:r>
             <a:endParaRPr lang="en-US"/>
           </a:p>
@@ -6210,7 +6288,7 @@
           <a:bodyPr/>
           <a:lstStyle/>
           <a:p>
-            <a:fld id="{B4F708C5-41F9-43BC-8B52-6D1EFE642DC3}" type="datetime2">
+            <a:fld id="{312A4E92-5864-45A4-BFBF-F9F517D733AB}" type="datetime2">
               <a:rPr lang="de-DE" smtClean="0"/>
               <a:t>Mittwoch, 3. Dezember 2025</a:t>
             </a:fld>
@@ -6240,7 +6318,7 @@
           <a:p>
             <a:r>
               <a:rPr lang="de-DE"/>
-              <a:t>Von: Jasper Högemann, Danilo Schiefer, Mike SChröer</a:t>
+              <a:t>Von: Jasper Högemann, Danilo Schiefer, Mike Schröer</a:t>
             </a:r>
             <a:endParaRPr lang="en-US"/>
           </a:p>
@@ -6284,7 +6362,6 @@
   <p:clrMapOvr>
     <a:masterClrMapping/>
   </p:clrMapOvr>
-  <p:hf hdr="0"/>
 </p:sldLayout>
 </file>
 
@@ -6446,7 +6523,7 @@
             </a:lvl1pPr>
           </a:lstStyle>
           <a:p>
-            <a:fld id="{B4F708C5-41F9-43BC-8B52-6D1EFE642DC3}" type="datetime2">
+            <a:fld id="{7A096B2B-C2DA-4FA7-A181-90AB72A92B04}" type="datetime2">
               <a:rPr lang="de-DE" smtClean="0"/>
               <a:t>Mittwoch, 3. Dezember 2025</a:t>
             </a:fld>
@@ -6497,7 +6574,7 @@
           <a:p>
             <a:r>
               <a:rPr lang="de-DE"/>
-              <a:t>Von: Jasper Högemann, Danilo Schiefer, Mike SChröer</a:t>
+              <a:t>Von: Jasper Högemann, Danilo Schiefer, Mike Schröer</a:t>
             </a:r>
             <a:endParaRPr lang="en-US"/>
           </a:p>
@@ -7299,7 +7376,7 @@
           <a:bodyPr/>
           <a:lstStyle/>
           <a:p>
-            <a:fld id="{3C06F657-8A70-4A9E-8680-EC0362A7C1B2}" type="datetime2">
+            <a:fld id="{ED4F7C6E-8B39-46CC-8194-062257D1545A}" type="datetime2">
               <a:rPr lang="de-DE" smtClean="0"/>
               <a:t>Mittwoch, 3. Dezember 2025</a:t>
             </a:fld>
@@ -7329,10 +7406,18 @@
           <a:lstStyle/>
           <a:p>
             <a:r>
-              <a:rPr lang="de-DE"/>
-              <a:t>Von: Jasper Högemann, Danilo Schiefer, Mike SChröer</a:t>
-            </a:r>
-            <a:endParaRPr lang="en-US"/>
+              <a:rPr lang="de-DE" dirty="0"/>
+              <a:t>Von: Jasper </a:t>
+            </a:r>
+            <a:r>
+              <a:rPr lang="de-DE" dirty="0" err="1"/>
+              <a:t>Högemann</a:t>
+            </a:r>
+            <a:r>
+              <a:rPr lang="de-DE" dirty="0"/>
+              <a:t>, Danilo Schiefer, Mike Schröer</a:t>
+            </a:r>
+            <a:endParaRPr lang="en-US" dirty="0"/>
           </a:p>
         </p:txBody>
       </p:sp>
@@ -7506,7 +7591,7 @@
           <a:bodyPr/>
           <a:lstStyle/>
           <a:p>
-            <a:fld id="{0990A61C-8A35-43B9-89FD-0F14341C3F3C}" type="datetime2">
+            <a:fld id="{C5EDDD45-B8B2-4660-A473-8A6C5B1E0F19}" type="datetime2">
               <a:rPr lang="de-DE" smtClean="0"/>
               <a:t>Mittwoch, 3. Dezember 2025</a:t>
             </a:fld>
@@ -7537,7 +7622,7 @@
           <a:p>
             <a:r>
               <a:rPr lang="de-DE"/>
-              <a:t>Von: Jasper Högemann, Danilo Schiefer, Mike SChröer</a:t>
+              <a:t>Von: Jasper Högemann, Danilo Schiefer, Mike Schröer</a:t>
             </a:r>
             <a:endParaRPr lang="en-US"/>
           </a:p>
@@ -7698,7 +7783,7 @@
           <a:bodyPr/>
           <a:lstStyle/>
           <a:p>
-            <a:fld id="{0990A61C-8A35-43B9-89FD-0F14341C3F3C}" type="datetime2">
+            <a:fld id="{841904B6-C57F-4F8A-9151-4C73D17B1557}" type="datetime2">
               <a:rPr lang="de-DE" smtClean="0"/>
               <a:t>Mittwoch, 3. Dezember 2025</a:t>
             </a:fld>
@@ -7729,7 +7814,7 @@
           <a:p>
             <a:r>
               <a:rPr lang="de-DE"/>
-              <a:t>Von: Jasper Högemann, Danilo Schiefer, Mike SChröer</a:t>
+              <a:t>Von: Jasper Högemann, Danilo Schiefer, Mike Schröer</a:t>
             </a:r>
             <a:endParaRPr lang="en-US"/>
           </a:p>
@@ -7986,7 +8071,7 @@
           <a:bodyPr/>
           <a:lstStyle/>
           <a:p>
-            <a:fld id="{0990A61C-8A35-43B9-89FD-0F14341C3F3C}" type="datetime2">
+            <a:fld id="{EF3132A9-5DED-49E1-9379-27AB16C74881}" type="datetime2">
               <a:rPr lang="de-DE" smtClean="0"/>
               <a:t>Mittwoch, 3. Dezember 2025</a:t>
             </a:fld>
@@ -8017,7 +8102,7 @@
           <a:p>
             <a:r>
               <a:rPr lang="de-DE"/>
-              <a:t>Von: Jasper Högemann, Danilo Schiefer, Mike SChröer</a:t>
+              <a:t>Von: Jasper Högemann, Danilo Schiefer, Mike Schröer</a:t>
             </a:r>
             <a:endParaRPr lang="en-US"/>
           </a:p>
@@ -8138,7 +8223,7 @@
           <a:bodyPr/>
           <a:lstStyle/>
           <a:p>
-            <a:fld id="{0990A61C-8A35-43B9-89FD-0F14341C3F3C}" type="datetime2">
+            <a:fld id="{B3E8B857-05F6-421F-993F-A11E58C46304}" type="datetime2">
               <a:rPr lang="de-DE" smtClean="0"/>
               <a:t>Mittwoch, 3. Dezember 2025</a:t>
             </a:fld>
@@ -8169,7 +8254,7 @@
           <a:p>
             <a:r>
               <a:rPr lang="de-DE"/>
-              <a:t>Von: Jasper Högemann, Danilo Schiefer, Mike SChröer</a:t>
+              <a:t>Von: Jasper Högemann, Danilo Schiefer, Mike Schröer</a:t>
             </a:r>
             <a:endParaRPr lang="en-US"/>
           </a:p>
@@ -8385,7 +8470,7 @@
           <a:bodyPr/>
           <a:lstStyle/>
           <a:p>
-            <a:fld id="{7DACDD20-5AC8-4B6C-B81D-41260ACFD7CE}" type="datetime2">
+            <a:fld id="{A9EEFF9C-AD3B-406F-BFE1-938C1C030B3F}" type="datetime2">
               <a:rPr lang="de-DE" smtClean="0"/>
               <a:t>Mittwoch, 3. Dezember 2025</a:t>
             </a:fld>
@@ -8416,7 +8501,7 @@
           <a:p>
             <a:r>
               <a:rPr lang="de-DE"/>
-              <a:t>Von: Jasper Högemann, Danilo Schiefer, Mike SChröer</a:t>
+              <a:t>Von: Jasper Högemann, Danilo Schiefer, Mike Schröer</a:t>
             </a:r>
             <a:endParaRPr lang="en-US"/>
           </a:p>
@@ -8600,7 +8685,7 @@
           <a:bodyPr/>
           <a:lstStyle/>
           <a:p>
-            <a:fld id="{0990A61C-8A35-43B9-89FD-0F14341C3F3C}" type="datetime2">
+            <a:fld id="{B4C787A8-D875-4238-ABFD-D1A2E43E94C7}" type="datetime2">
               <a:rPr lang="de-DE" smtClean="0"/>
               <a:t>Mittwoch, 3. Dezember 2025</a:t>
             </a:fld>
@@ -8631,7 +8716,7 @@
           <a:p>
             <a:r>
               <a:rPr lang="de-DE"/>
-              <a:t>Von: Jasper Högemann, Danilo Schiefer, Mike SChröer</a:t>
+              <a:t>Von: Jasper Högemann, Danilo Schiefer, Mike Schröer</a:t>
             </a:r>
             <a:endParaRPr lang="en-US"/>
           </a:p>
@@ -8822,7 +8907,7 @@
           <a:bodyPr/>
           <a:lstStyle/>
           <a:p>
-            <a:fld id="{0990A61C-8A35-43B9-89FD-0F14341C3F3C}" type="datetime2">
+            <a:fld id="{CC18D281-CB69-48EF-B029-CE75DC3AA0FC}" type="datetime2">
               <a:rPr lang="de-DE" smtClean="0"/>
               <a:t>Mittwoch, 3. Dezember 2025</a:t>
             </a:fld>
@@ -8853,7 +8938,7 @@
           <a:p>
             <a:r>
               <a:rPr lang="de-DE"/>
-              <a:t>Von: Jasper Högemann, Danilo Schiefer, Mike SChröer</a:t>
+              <a:t>Von: Jasper Högemann, Danilo Schiefer, Mike Schröer</a:t>
             </a:r>
             <a:endParaRPr lang="en-US"/>
           </a:p>
@@ -9008,7 +9093,7 @@
           <a:bodyPr/>
           <a:lstStyle/>
           <a:p>
-            <a:fld id="{3C06F657-8A70-4A9E-8680-EC0362A7C1B2}" type="datetime2">
+            <a:fld id="{607F2CB2-E116-49AD-83EB-7953A6DA2226}" type="datetime2">
               <a:rPr lang="de-DE" smtClean="0"/>
               <a:t>Mittwoch, 3. Dezember 2025</a:t>
             </a:fld>
@@ -9039,7 +9124,7 @@
           <a:p>
             <a:r>
               <a:rPr lang="de-DE"/>
-              <a:t>Von: Jasper Högemann, Danilo Schiefer, Mike SChröer</a:t>
+              <a:t>Von: Jasper Högemann, Danilo Schiefer, Mike Schröer</a:t>
             </a:r>
             <a:endParaRPr lang="en-US"/>
           </a:p>
